--- a/PPT/Secure Remote Control Introduction v1.pptx
+++ b/PPT/Secure Remote Control Introduction v1.pptx
@@ -5,29 +5,28 @@
     <p:sldMasterId id="2147483648" r:id="rId1"/>
   </p:sldMasterIdLst>
   <p:notesMasterIdLst>
-    <p:notesMasterId r:id="rId22"/>
+    <p:notesMasterId r:id="rId21"/>
   </p:notesMasterIdLst>
   <p:sldIdLst>
     <p:sldId id="319" r:id="rId2"/>
-    <p:sldId id="332" r:id="rId3"/>
-    <p:sldId id="333" r:id="rId4"/>
-    <p:sldId id="322" r:id="rId5"/>
-    <p:sldId id="323" r:id="rId6"/>
-    <p:sldId id="312" r:id="rId7"/>
-    <p:sldId id="303" r:id="rId8"/>
-    <p:sldId id="302" r:id="rId9"/>
-    <p:sldId id="304" r:id="rId10"/>
-    <p:sldId id="324" r:id="rId11"/>
+    <p:sldId id="312" r:id="rId3"/>
+    <p:sldId id="322" r:id="rId4"/>
+    <p:sldId id="323" r:id="rId5"/>
+    <p:sldId id="303" r:id="rId6"/>
+    <p:sldId id="302" r:id="rId7"/>
+    <p:sldId id="304" r:id="rId8"/>
+    <p:sldId id="324" r:id="rId9"/>
+    <p:sldId id="333" r:id="rId10"/>
+    <p:sldId id="327" r:id="rId11"/>
     <p:sldId id="316" r:id="rId12"/>
-    <p:sldId id="327" r:id="rId13"/>
-    <p:sldId id="328" r:id="rId14"/>
-    <p:sldId id="329" r:id="rId15"/>
-    <p:sldId id="330" r:id="rId16"/>
-    <p:sldId id="331" r:id="rId17"/>
-    <p:sldId id="325" r:id="rId18"/>
-    <p:sldId id="315" r:id="rId19"/>
-    <p:sldId id="313" r:id="rId20"/>
-    <p:sldId id="314" r:id="rId21"/>
+    <p:sldId id="328" r:id="rId13"/>
+    <p:sldId id="329" r:id="rId14"/>
+    <p:sldId id="330" r:id="rId15"/>
+    <p:sldId id="331" r:id="rId16"/>
+    <p:sldId id="325" r:id="rId17"/>
+    <p:sldId id="315" r:id="rId18"/>
+    <p:sldId id="313" r:id="rId19"/>
+    <p:sldId id="314" r:id="rId20"/>
   </p:sldIdLst>
   <p:sldSz cx="9144000" cy="6858000" type="screen4x3"/>
   <p:notesSz cx="7104063" cy="10234613"/>
@@ -242,7 +241,7 @@
             <a:fld id="{A57CD062-9CC2-45FC-ACDB-9B14191818BF}" type="datetimeFigureOut">
               <a:rPr lang="zh-TW" altLang="en-US" smtClean="0"/>
               <a:pPr/>
-              <a:t>2018/6/29</a:t>
+              <a:t>2018/6/30</a:t>
             </a:fld>
             <a:endParaRPr lang="zh-TW" altLang="en-US"/>
           </a:p>
@@ -579,7 +578,7 @@
             <a:fld id="{B5145D23-0437-467E-B797-0DCB5FD3CB26}" type="slidenum">
               <a:rPr lang="zh-TW" altLang="en-US" smtClean="0"/>
               <a:pPr/>
-              <a:t>2</a:t>
+              <a:t>1</a:t>
             </a:fld>
             <a:endParaRPr lang="zh-TW" altLang="en-US"/>
           </a:p>
@@ -588,7 +587,7 @@
     </p:spTree>
     <p:extLst>
       <p:ext uri="{BB962C8B-B14F-4D97-AF65-F5344CB8AC3E}">
-        <p14:creationId xmlns:p14="http://schemas.microsoft.com/office/powerpoint/2010/main" val="3018874353"/>
+        <p14:creationId xmlns:p14="http://schemas.microsoft.com/office/powerpoint/2010/main" val="3522114951"/>
       </p:ext>
     </p:extLst>
   </p:cSld>
@@ -642,6 +641,7 @@
           <a:bodyPr/>
           <a:lstStyle/>
           <a:p>
+            <a:pPr lvl="0"/>
             <a:endParaRPr lang="zh-TW" altLang="en-US" dirty="0"/>
           </a:p>
         </p:txBody>
@@ -664,7 +664,7 @@
             <a:fld id="{B5145D23-0437-467E-B797-0DCB5FD3CB26}" type="slidenum">
               <a:rPr lang="zh-TW" altLang="en-US" smtClean="0"/>
               <a:pPr/>
-              <a:t>3</a:t>
+              <a:t>2</a:t>
             </a:fld>
             <a:endParaRPr lang="zh-TW" altLang="en-US"/>
           </a:p>
@@ -673,7 +673,7 @@
     </p:spTree>
     <p:extLst>
       <p:ext uri="{BB962C8B-B14F-4D97-AF65-F5344CB8AC3E}">
-        <p14:creationId xmlns:p14="http://schemas.microsoft.com/office/powerpoint/2010/main" val="4070106267"/>
+        <p14:creationId xmlns:p14="http://schemas.microsoft.com/office/powerpoint/2010/main" val="1971301395"/>
       </p:ext>
     </p:extLst>
   </p:cSld>
@@ -727,7 +727,6 @@
           <a:bodyPr/>
           <a:lstStyle/>
           <a:p>
-            <a:pPr lvl="0"/>
             <a:endParaRPr lang="zh-TW" altLang="en-US" dirty="0"/>
           </a:p>
         </p:txBody>
@@ -750,7 +749,7 @@
             <a:fld id="{B5145D23-0437-467E-B797-0DCB5FD3CB26}" type="slidenum">
               <a:rPr lang="zh-TW" altLang="en-US" smtClean="0"/>
               <a:pPr/>
-              <a:t>6</a:t>
+              <a:t>9</a:t>
             </a:fld>
             <a:endParaRPr lang="zh-TW" altLang="en-US"/>
           </a:p>
@@ -759,7 +758,7 @@
     </p:spTree>
     <p:extLst>
       <p:ext uri="{BB962C8B-B14F-4D97-AF65-F5344CB8AC3E}">
-        <p14:creationId xmlns:p14="http://schemas.microsoft.com/office/powerpoint/2010/main" val="1971301395"/>
+        <p14:creationId xmlns:p14="http://schemas.microsoft.com/office/powerpoint/2010/main" val="4070106267"/>
       </p:ext>
     </p:extLst>
   </p:cSld>
@@ -951,7 +950,7 @@
             <a:fld id="{066431C2-8132-4A04-A809-72FA6FA5F66A}" type="datetime1">
               <a:rPr lang="zh-TW" altLang="en-US" smtClean="0"/>
               <a:pPr/>
-              <a:t>2018/6/29</a:t>
+              <a:t>2018/6/30</a:t>
             </a:fld>
             <a:endParaRPr lang="zh-TW" altLang="en-US"/>
           </a:p>
@@ -1118,7 +1117,7 @@
             <a:fld id="{5CE804C3-F941-49B9-A108-89C779B119E2}" type="datetime1">
               <a:rPr lang="zh-TW" altLang="en-US" smtClean="0"/>
               <a:pPr/>
-              <a:t>2018/6/29</a:t>
+              <a:t>2018/6/30</a:t>
             </a:fld>
             <a:endParaRPr lang="zh-TW" altLang="en-US"/>
           </a:p>
@@ -1295,7 +1294,7 @@
             <a:fld id="{7248364F-DAE5-4F4C-8292-CF20691704F5}" type="datetime1">
               <a:rPr lang="zh-TW" altLang="en-US" smtClean="0"/>
               <a:pPr/>
-              <a:t>2018/6/29</a:t>
+              <a:t>2018/6/30</a:t>
             </a:fld>
             <a:endParaRPr lang="zh-TW" altLang="en-US"/>
           </a:p>
@@ -1969,7 +1968,7 @@
             <a:fld id="{360D7014-79CF-40A0-92F4-40DB76E68434}" type="datetime1">
               <a:rPr lang="zh-TW" altLang="en-US" smtClean="0"/>
               <a:pPr/>
-              <a:t>2018/6/29</a:t>
+              <a:t>2018/6/30</a:t>
             </a:fld>
             <a:endParaRPr lang="zh-TW" altLang="en-US"/>
           </a:p>
@@ -2254,7 +2253,7 @@
             <a:fld id="{8961B88D-CEB4-47B6-AF52-D53E3F18C35A}" type="datetime1">
               <a:rPr lang="zh-TW" altLang="en-US" smtClean="0"/>
               <a:pPr/>
-              <a:t>2018/6/29</a:t>
+              <a:t>2018/6/30</a:t>
             </a:fld>
             <a:endParaRPr lang="zh-TW" altLang="en-US"/>
           </a:p>
@@ -2673,7 +2672,7 @@
             <a:fld id="{5311C86B-7B0D-45CB-9285-00E7C10EE431}" type="datetime1">
               <a:rPr lang="zh-TW" altLang="en-US" smtClean="0"/>
               <a:pPr/>
-              <a:t>2018/6/29</a:t>
+              <a:t>2018/6/30</a:t>
             </a:fld>
             <a:endParaRPr lang="zh-TW" altLang="en-US"/>
           </a:p>
@@ -2788,7 +2787,7 @@
             <a:fld id="{4EAECFA8-7EF3-4ED4-8BFD-0445F85A16DE}" type="datetime1">
               <a:rPr lang="zh-TW" altLang="en-US" smtClean="0"/>
               <a:pPr/>
-              <a:t>2018/6/29</a:t>
+              <a:t>2018/6/30</a:t>
             </a:fld>
             <a:endParaRPr lang="zh-TW" altLang="en-US"/>
           </a:p>
@@ -2880,7 +2879,7 @@
             <a:fld id="{276D4787-2C46-42B8-8B68-022E83DC0F9E}" type="datetime1">
               <a:rPr lang="zh-TW" altLang="en-US" smtClean="0"/>
               <a:pPr/>
-              <a:t>2018/6/29</a:t>
+              <a:t>2018/6/30</a:t>
             </a:fld>
             <a:endParaRPr lang="zh-TW" altLang="en-US"/>
           </a:p>
@@ -3154,7 +3153,7 @@
             <a:fld id="{09F88BBB-CAC6-45C2-A1CF-6DCF8C99A955}" type="datetime1">
               <a:rPr lang="zh-TW" altLang="en-US" smtClean="0"/>
               <a:pPr/>
-              <a:t>2018/6/29</a:t>
+              <a:t>2018/6/30</a:t>
             </a:fld>
             <a:endParaRPr lang="zh-TW" altLang="en-US"/>
           </a:p>
@@ -3404,7 +3403,7 @@
             <a:fld id="{03D2DB40-0C4F-44F0-AC78-53F51948F6AD}" type="datetime1">
               <a:rPr lang="zh-TW" altLang="en-US" smtClean="0"/>
               <a:pPr/>
-              <a:t>2018/6/29</a:t>
+              <a:t>2018/6/30</a:t>
             </a:fld>
             <a:endParaRPr lang="zh-TW" altLang="en-US"/>
           </a:p>
@@ -3616,7 +3615,7 @@
             <a:fld id="{2577050F-4F01-4466-8C91-9E97F67BDCDB}" type="datetime1">
               <a:rPr lang="zh-TW" altLang="en-US" smtClean="0"/>
               <a:pPr/>
-              <a:t>2018/6/29</a:t>
+              <a:t>2018/6/30</a:t>
             </a:fld>
             <a:endParaRPr lang="zh-TW" altLang="en-US" dirty="0"/>
           </a:p>
@@ -4042,14 +4041,21 @@
         </p:nvSpPr>
         <p:spPr>
           <a:xfrm>
-            <a:off x="1371600" y="4196680"/>
-            <a:ext cx="6400800" cy="1752600"/>
+            <a:off x="2627784" y="6207924"/>
+            <a:ext cx="6400800" cy="576064"/>
           </a:xfrm>
         </p:spPr>
         <p:txBody>
-          <a:bodyPr/>
-          <a:lstStyle/>
-          <a:p>
+          <a:bodyPr>
+            <a:normAutofit lnSpcReduction="10000"/>
+          </a:bodyPr>
+          <a:lstStyle/>
+          <a:p>
+            <a:pPr algn="r"/>
+            <a:r>
+              <a:rPr lang="en-US" altLang="zh-TW" dirty="0" smtClean="0"/>
+              <a:t>Marten Huang</a:t>
+            </a:r>
             <a:endParaRPr lang="zh-TW" altLang="en-US" dirty="0"/>
           </a:p>
         </p:txBody>
@@ -4064,8 +4070,8 @@
         </p:nvSpPr>
         <p:spPr>
           <a:xfrm>
-            <a:off x="2060647" y="2492896"/>
-            <a:ext cx="5139208" cy="1935088"/>
+            <a:off x="2195736" y="1412776"/>
+            <a:ext cx="5969921" cy="3245926"/>
           </a:xfrm>
           <a:prstGeom prst="rect">
             <a:avLst/>
@@ -4073,7 +4079,7 @@
         </p:spPr>
         <p:txBody>
           <a:bodyPr vert="horz" lIns="91440" tIns="45720" rIns="91440" bIns="45720" rtlCol="0" anchor="ctr">
-            <a:normAutofit fontScale="92500" lnSpcReduction="10000"/>
+            <a:normAutofit/>
           </a:bodyPr>
           <a:lstStyle>
             <a:lvl1pPr algn="ctr" defTabSz="914400" rtl="0" eaLnBrk="1" latinLnBrk="0" hangingPunct="1">
@@ -4092,20 +4098,61 @@
             </a:lvl1pPr>
           </a:lstStyle>
           <a:p>
+            <a:pPr algn="l"/>
             <a:r>
               <a:rPr lang="en-US" altLang="zh-TW" b="1" dirty="0" smtClean="0"/>
-              <a:t>256bits </a:t>
-            </a:r>
-          </a:p>
-          <a:p>
+              <a:t>Authentication</a:t>
+            </a:r>
+          </a:p>
+          <a:p>
+            <a:pPr algn="l"/>
             <a:r>
               <a:rPr lang="en-US" altLang="zh-TW" b="1" dirty="0" smtClean="0"/>
-              <a:t>Remote Control Solution</a:t>
+              <a:t>Remote </a:t>
+            </a:r>
+            <a:endParaRPr lang="en-US" altLang="zh-TW" b="1" dirty="0" smtClean="0"/>
+          </a:p>
+          <a:p>
+            <a:pPr algn="l"/>
+            <a:r>
+              <a:rPr lang="en-US" altLang="zh-TW" b="1" dirty="0" smtClean="0"/>
+              <a:t>Control </a:t>
+            </a:r>
+          </a:p>
+          <a:p>
+            <a:pPr algn="l"/>
+            <a:r>
+              <a:rPr lang="en-US" altLang="zh-TW" b="1" dirty="0" smtClean="0"/>
+              <a:t>Solution</a:t>
             </a:r>
             <a:endParaRPr lang="zh-TW" altLang="en-US" b="1" dirty="0"/>
           </a:p>
         </p:txBody>
       </p:sp>
+      <p:pic>
+        <p:nvPicPr>
+          <p:cNvPr id="7" name="圖片 6"/>
+          <p:cNvPicPr>
+            <a:picLocks noChangeAspect="1"/>
+          </p:cNvPicPr>
+          <p:nvPr/>
+        </p:nvPicPr>
+        <p:blipFill>
+          <a:blip r:embed="rId3"/>
+          <a:stretch>
+            <a:fillRect/>
+          </a:stretch>
+        </p:blipFill>
+        <p:spPr>
+          <a:xfrm>
+            <a:off x="4931509" y="2349446"/>
+            <a:ext cx="2413160" cy="2017702"/>
+          </a:xfrm>
+          <a:prstGeom prst="rect">
+            <a:avLst/>
+          </a:prstGeom>
+        </p:spPr>
+      </p:pic>
     </p:spTree>
     <p:extLst>
       <p:ext uri="{BB962C8B-B14F-4D97-AF65-F5344CB8AC3E}">
@@ -4148,115 +4195,131 @@
       </p:grpSpPr>
       <p:sp>
         <p:nvSpPr>
-          <p:cNvPr id="5" name="橢圓 4"/>
+          <p:cNvPr id="2" name="標題 1"/>
+          <p:cNvSpPr>
+            <a:spLocks noGrp="1"/>
+          </p:cNvSpPr>
+          <p:nvPr>
+            <p:ph type="title"/>
+          </p:nvPr>
+        </p:nvSpPr>
+        <p:spPr/>
+        <p:txBody>
+          <a:bodyPr/>
+          <a:lstStyle/>
+          <a:p>
+            <a:r>
+              <a:rPr lang="en-US" altLang="zh-TW" dirty="0" smtClean="0"/>
+              <a:t>Open Source - </a:t>
+            </a:r>
+            <a:r>
+              <a:rPr lang="en-US" altLang="zh-TW" dirty="0" err="1" smtClean="0"/>
+              <a:t>Github</a:t>
+            </a:r>
+            <a:endParaRPr lang="zh-TW" altLang="en-US" dirty="0"/>
+          </a:p>
+        </p:txBody>
+      </p:sp>
+      <p:sp>
+        <p:nvSpPr>
+          <p:cNvPr id="33" name="投影片編號版面配置區 32"/>
+          <p:cNvSpPr>
+            <a:spLocks noGrp="1"/>
+          </p:cNvSpPr>
+          <p:nvPr>
+            <p:ph type="sldNum" sz="quarter" idx="12"/>
+          </p:nvPr>
+        </p:nvSpPr>
+        <p:spPr/>
+        <p:txBody>
+          <a:bodyPr/>
+          <a:lstStyle/>
+          <a:p>
+            <a:fld id="{D344349B-DB66-4120-941E-C93148E8AB74}" type="slidenum">
+              <a:rPr lang="zh-TW" altLang="en-US" smtClean="0"/>
+              <a:pPr/>
+              <a:t>10</a:t>
+            </a:fld>
+            <a:endParaRPr lang="zh-TW" altLang="en-US" dirty="0"/>
+          </a:p>
+        </p:txBody>
+      </p:sp>
+      <p:sp>
+        <p:nvSpPr>
+          <p:cNvPr id="5" name="矩形 4"/>
           <p:cNvSpPr/>
           <p:nvPr/>
         </p:nvSpPr>
         <p:spPr>
-          <a:xfrm rot="20830409">
-            <a:off x="669811" y="1254110"/>
-            <a:ext cx="7920880" cy="4010000"/>
-          </a:xfrm>
-          <a:prstGeom prst="ellipse">
-            <a:avLst/>
-          </a:prstGeom>
-        </p:spPr>
-        <p:style>
-          <a:lnRef idx="1">
-            <a:schemeClr val="accent3"/>
-          </a:lnRef>
-          <a:fillRef idx="2">
-            <a:schemeClr val="accent3"/>
-          </a:fillRef>
-          <a:effectRef idx="1">
-            <a:schemeClr val="accent3"/>
-          </a:effectRef>
-          <a:fontRef idx="minor">
-            <a:schemeClr val="dk1"/>
-          </a:fontRef>
-        </p:style>
-        <p:txBody>
-          <a:bodyPr rtlCol="0" anchor="ctr"/>
-          <a:lstStyle/>
-          <a:p>
-            <a:pPr algn="ctr"/>
-            <a:endParaRPr lang="zh-TW" altLang="en-US"/>
-          </a:p>
-        </p:txBody>
-      </p:sp>
-      <p:sp>
-        <p:nvSpPr>
-          <p:cNvPr id="4" name="副標題 3"/>
-          <p:cNvSpPr>
-            <a:spLocks noGrp="1"/>
-          </p:cNvSpPr>
-          <p:nvPr>
-            <p:ph type="subTitle" idx="1"/>
-          </p:nvPr>
-        </p:nvSpPr>
-        <p:spPr>
           <a:xfrm>
-            <a:off x="1371600" y="4196680"/>
-            <a:ext cx="6400800" cy="1752600"/>
-          </a:xfrm>
-        </p:spPr>
-        <p:txBody>
-          <a:bodyPr/>
-          <a:lstStyle/>
-          <a:p>
-            <a:endParaRPr lang="zh-TW" altLang="en-US" dirty="0"/>
-          </a:p>
-        </p:txBody>
-      </p:sp>
-      <p:sp>
-        <p:nvSpPr>
-          <p:cNvPr id="6" name="標題 1"/>
-          <p:cNvSpPr txBox="1">
-            <a:spLocks/>
-          </p:cNvSpPr>
-          <p:nvPr/>
-        </p:nvSpPr>
-        <p:spPr>
-          <a:xfrm>
-            <a:off x="2411760" y="2924944"/>
-            <a:ext cx="4347120" cy="1143000"/>
+            <a:off x="251520" y="1550785"/>
+            <a:ext cx="8435280" cy="830997"/>
           </a:xfrm>
           <a:prstGeom prst="rect">
             <a:avLst/>
           </a:prstGeom>
         </p:spPr>
         <p:txBody>
-          <a:bodyPr vert="horz" lIns="91440" tIns="45720" rIns="91440" bIns="45720" rtlCol="0" anchor="ctr">
-            <a:normAutofit/>
+          <a:bodyPr wrap="square">
+            <a:spAutoFit/>
           </a:bodyPr>
-          <a:lstStyle>
-            <a:lvl1pPr algn="ctr" defTabSz="914400" rtl="0" eaLnBrk="1" latinLnBrk="0" hangingPunct="1">
-              <a:spcBef>
-                <a:spcPct val="0"/>
-              </a:spcBef>
-              <a:buNone/>
-              <a:defRPr sz="4400" kern="1200">
-                <a:solidFill>
-                  <a:schemeClr val="tx1"/>
-                </a:solidFill>
-                <a:latin typeface="微軟正黑體" pitchFamily="34" charset="-120"/>
-                <a:ea typeface="微軟正黑體" pitchFamily="34" charset="-120"/>
-                <a:cs typeface="+mj-cs"/>
-              </a:defRPr>
-            </a:lvl1pPr>
-          </a:lstStyle>
-          <a:p>
-            <a:r>
-              <a:rPr lang="en-US" altLang="zh-TW" b="1" dirty="0" smtClean="0"/>
-              <a:t>Resources</a:t>
-            </a:r>
-          </a:p>
-        </p:txBody>
-      </p:sp>
+          <a:lstStyle/>
+          <a:p>
+            <a:pPr marL="342900" indent="-342900">
+              <a:buFont typeface="Arial" panose="020B0604020202020204" pitchFamily="34" charset="0"/>
+              <a:buChar char="•"/>
+            </a:pPr>
+            <a:r>
+              <a:rPr lang="en-US" altLang="zh-TW" sz="2400" dirty="0">
+                <a:hlinkClick r:id="rId2"/>
+              </a:rPr>
+              <a:t>https://</a:t>
+            </a:r>
+            <a:r>
+              <a:rPr lang="en-US" altLang="zh-TW" sz="2400" dirty="0" smtClean="0">
+                <a:hlinkClick r:id="rId2"/>
+              </a:rPr>
+              <a:t>github.com/marten619/RemoteController</a:t>
+            </a:r>
+            <a:r>
+              <a:rPr lang="en-US" altLang="zh-TW" sz="2400" dirty="0" smtClean="0"/>
+              <a:t> </a:t>
+            </a:r>
+            <a:endParaRPr lang="en-US" altLang="zh-TW" sz="2400" dirty="0"/>
+          </a:p>
+          <a:p>
+            <a:endParaRPr lang="zh-TW" altLang="en-US" sz="2400" dirty="0"/>
+          </a:p>
+        </p:txBody>
+      </p:sp>
+      <p:pic>
+        <p:nvPicPr>
+          <p:cNvPr id="3" name="圖片 2"/>
+          <p:cNvPicPr>
+            <a:picLocks noChangeAspect="1"/>
+          </p:cNvPicPr>
+          <p:nvPr/>
+        </p:nvPicPr>
+        <p:blipFill>
+          <a:blip r:embed="rId3"/>
+          <a:stretch>
+            <a:fillRect/>
+          </a:stretch>
+        </p:blipFill>
+        <p:spPr>
+          <a:xfrm>
+            <a:off x="422109" y="2011622"/>
+            <a:ext cx="7884368" cy="4691199"/>
+          </a:xfrm>
+          <a:prstGeom prst="rect">
+            <a:avLst/>
+          </a:prstGeom>
+        </p:spPr>
+      </p:pic>
     </p:spTree>
     <p:extLst>
       <p:ext uri="{BB962C8B-B14F-4D97-AF65-F5344CB8AC3E}">
-        <p14:creationId xmlns:p14="http://schemas.microsoft.com/office/powerpoint/2010/main" val="4260622918"/>
+        <p14:creationId xmlns:p14="http://schemas.microsoft.com/office/powerpoint/2010/main" val="2820757035"/>
       </p:ext>
     </p:extLst>
   </p:cSld>
@@ -4349,7 +4412,7 @@
         <p:spPr>
           <a:xfrm>
             <a:off x="251520" y="1550785"/>
-            <a:ext cx="8435280" cy="830997"/>
+            <a:ext cx="8435280" cy="4401205"/>
           </a:xfrm>
           <a:prstGeom prst="rect">
             <a:avLst/>
@@ -4366,13 +4429,115 @@
               <a:buChar char="•"/>
             </a:pPr>
             <a:r>
-              <a:rPr lang="en-US" altLang="zh-TW" sz="2400" dirty="0" smtClean="0"/>
-              <a:t> </a:t>
-            </a:r>
-            <a:endParaRPr lang="en-US" altLang="zh-TW" sz="2400" dirty="0"/>
-          </a:p>
-          <a:p>
-            <a:endParaRPr lang="zh-TW" altLang="en-US" sz="2400" dirty="0"/>
+              <a:rPr lang="en-US" altLang="zh-TW" sz="2800" dirty="0" smtClean="0"/>
+              <a:t>Compare with Hopping Code</a:t>
+            </a:r>
+          </a:p>
+          <a:p>
+            <a:pPr lvl="1"/>
+            <a:r>
+              <a:rPr lang="en-US" altLang="zh-TW" sz="2800" u="sng" dirty="0">
+                <a:hlinkClick r:id="rId2"/>
+              </a:rPr>
+              <a:t>https://</a:t>
+            </a:r>
+            <a:r>
+              <a:rPr lang="en-US" altLang="zh-TW" sz="2800" u="sng" dirty="0" smtClean="0">
+                <a:hlinkClick r:id="rId2"/>
+              </a:rPr>
+              <a:t>youtu.be/E1CEQ3T0k3I</a:t>
+            </a:r>
+            <a:endParaRPr lang="en-US" altLang="zh-TW" sz="2800" u="sng" dirty="0" smtClean="0"/>
+          </a:p>
+          <a:p>
+            <a:pPr marL="342900" indent="-342900">
+              <a:buFont typeface="Arial" panose="020B0604020202020204" pitchFamily="34" charset="0"/>
+              <a:buChar char="•"/>
+            </a:pPr>
+            <a:endParaRPr lang="en-US" altLang="zh-TW" sz="2800" dirty="0" smtClean="0"/>
+          </a:p>
+          <a:p>
+            <a:pPr marL="342900" indent="-342900">
+              <a:buFont typeface="Arial" panose="020B0604020202020204" pitchFamily="34" charset="0"/>
+              <a:buChar char="•"/>
+            </a:pPr>
+            <a:r>
+              <a:rPr lang="en-US" altLang="zh-TW" sz="2800" dirty="0" smtClean="0"/>
+              <a:t>Authentication Remote </a:t>
+            </a:r>
+            <a:r>
+              <a:rPr lang="en-US" altLang="zh-TW" sz="2800" dirty="0" smtClean="0"/>
+              <a:t>Control Introduction</a:t>
+            </a:r>
+          </a:p>
+          <a:p>
+            <a:pPr lvl="1"/>
+            <a:r>
+              <a:rPr lang="en-US" altLang="zh-TW" sz="2800" u="sng" dirty="0">
+                <a:hlinkClick r:id="rId3"/>
+              </a:rPr>
+              <a:t>https://</a:t>
+            </a:r>
+            <a:r>
+              <a:rPr lang="en-US" altLang="zh-TW" sz="2800" u="sng" dirty="0" smtClean="0">
+                <a:hlinkClick r:id="rId3"/>
+              </a:rPr>
+              <a:t>youtu.be/AgV3q36lbQA</a:t>
+            </a:r>
+            <a:endParaRPr lang="en-US" altLang="zh-TW" sz="2800" dirty="0" smtClean="0"/>
+          </a:p>
+          <a:p>
+            <a:pPr marL="342900" indent="-342900">
+              <a:buFont typeface="Arial" panose="020B0604020202020204" pitchFamily="34" charset="0"/>
+              <a:buChar char="•"/>
+            </a:pPr>
+            <a:endParaRPr lang="en-US" altLang="zh-TW" sz="2800" dirty="0"/>
+          </a:p>
+          <a:p>
+            <a:pPr marL="342900" indent="-342900">
+              <a:buFont typeface="Arial" panose="020B0604020202020204" pitchFamily="34" charset="0"/>
+              <a:buChar char="•"/>
+            </a:pPr>
+            <a:r>
+              <a:rPr lang="en-US" altLang="zh-TW" sz="2800" dirty="0" smtClean="0"/>
+              <a:t>Resources &amp; Improvements</a:t>
+            </a:r>
+          </a:p>
+          <a:p>
+            <a:pPr lvl="1"/>
+            <a:r>
+              <a:rPr lang="en-US" altLang="zh-TW" sz="2800" dirty="0" smtClean="0">
+                <a:hlinkClick r:id="rId4"/>
+              </a:rPr>
+              <a:t>https</a:t>
+            </a:r>
+            <a:r>
+              <a:rPr lang="en-US" altLang="zh-TW" sz="2800" dirty="0">
+                <a:hlinkClick r:id="rId4"/>
+              </a:rPr>
+              <a:t>://</a:t>
+            </a:r>
+            <a:r>
+              <a:rPr lang="en-US" altLang="zh-TW" sz="2800" dirty="0" smtClean="0">
+                <a:hlinkClick r:id="rId4"/>
+              </a:rPr>
+              <a:t>youtu.be/4fpW_bkqgPE</a:t>
+            </a:r>
+            <a:r>
+              <a:rPr lang="en-US" altLang="zh-TW" sz="2800" dirty="0" smtClean="0"/>
+              <a:t>	</a:t>
+            </a:r>
+            <a:endParaRPr lang="en-US" altLang="zh-TW" sz="2800" dirty="0"/>
+          </a:p>
+          <a:p>
+            <a:pPr marL="342900" indent="-342900">
+              <a:buFont typeface="Arial" panose="020B0604020202020204" pitchFamily="34" charset="0"/>
+              <a:buChar char="•"/>
+            </a:pPr>
+            <a:endParaRPr lang="en-US" altLang="zh-TW" sz="2800" dirty="0"/>
+          </a:p>
+          <a:p>
+            <a:endParaRPr lang="zh-TW" altLang="en-US" sz="2800" dirty="0"/>
           </a:p>
         </p:txBody>
       </p:sp>
@@ -4418,95 +4583,115 @@
       </p:grpSpPr>
       <p:sp>
         <p:nvSpPr>
-          <p:cNvPr id="2" name="標題 1"/>
-          <p:cNvSpPr>
-            <a:spLocks noGrp="1"/>
-          </p:cNvSpPr>
-          <p:nvPr>
-            <p:ph type="title"/>
-          </p:nvPr>
-        </p:nvSpPr>
-        <p:spPr/>
-        <p:txBody>
-          <a:bodyPr/>
-          <a:lstStyle/>
-          <a:p>
-            <a:r>
-              <a:rPr lang="en-US" altLang="zh-TW" dirty="0" smtClean="0"/>
-              <a:t>Open Source - </a:t>
-            </a:r>
-            <a:r>
-              <a:rPr lang="en-US" altLang="zh-TW" dirty="0" err="1" smtClean="0"/>
-              <a:t>Github</a:t>
-            </a:r>
-            <a:endParaRPr lang="zh-TW" altLang="en-US" dirty="0"/>
-          </a:p>
-        </p:txBody>
-      </p:sp>
-      <p:sp>
-        <p:nvSpPr>
-          <p:cNvPr id="33" name="投影片編號版面配置區 32"/>
-          <p:cNvSpPr>
-            <a:spLocks noGrp="1"/>
-          </p:cNvSpPr>
-          <p:nvPr>
-            <p:ph type="sldNum" sz="quarter" idx="12"/>
-          </p:nvPr>
-        </p:nvSpPr>
-        <p:spPr/>
-        <p:txBody>
-          <a:bodyPr/>
-          <a:lstStyle/>
-          <a:p>
-            <a:fld id="{D344349B-DB66-4120-941E-C93148E8AB74}" type="slidenum">
-              <a:rPr lang="zh-TW" altLang="en-US" smtClean="0"/>
-              <a:pPr/>
-              <a:t>12</a:t>
-            </a:fld>
-            <a:endParaRPr lang="zh-TW" altLang="en-US" dirty="0"/>
-          </a:p>
-        </p:txBody>
-      </p:sp>
-      <p:sp>
-        <p:nvSpPr>
-          <p:cNvPr id="5" name="矩形 4"/>
+          <p:cNvPr id="5" name="橢圓 4"/>
           <p:cNvSpPr/>
           <p:nvPr/>
         </p:nvSpPr>
         <p:spPr>
+          <a:xfrm rot="20830409">
+            <a:off x="669811" y="1254110"/>
+            <a:ext cx="7920880" cy="4010000"/>
+          </a:xfrm>
+          <a:prstGeom prst="ellipse">
+            <a:avLst/>
+          </a:prstGeom>
+        </p:spPr>
+        <p:style>
+          <a:lnRef idx="1">
+            <a:schemeClr val="accent3"/>
+          </a:lnRef>
+          <a:fillRef idx="2">
+            <a:schemeClr val="accent3"/>
+          </a:fillRef>
+          <a:effectRef idx="1">
+            <a:schemeClr val="accent3"/>
+          </a:effectRef>
+          <a:fontRef idx="minor">
+            <a:schemeClr val="dk1"/>
+          </a:fontRef>
+        </p:style>
+        <p:txBody>
+          <a:bodyPr rtlCol="0" anchor="ctr"/>
+          <a:lstStyle/>
+          <a:p>
+            <a:pPr algn="ctr"/>
+            <a:endParaRPr lang="zh-TW" altLang="en-US"/>
+          </a:p>
+        </p:txBody>
+      </p:sp>
+      <p:sp>
+        <p:nvSpPr>
+          <p:cNvPr id="4" name="副標題 3"/>
+          <p:cNvSpPr>
+            <a:spLocks noGrp="1"/>
+          </p:cNvSpPr>
+          <p:nvPr>
+            <p:ph type="subTitle" idx="1"/>
+          </p:nvPr>
+        </p:nvSpPr>
+        <p:spPr>
           <a:xfrm>
-            <a:off x="251520" y="1550785"/>
-            <a:ext cx="8435280" cy="830997"/>
+            <a:off x="1371600" y="4196680"/>
+            <a:ext cx="6400800" cy="1752600"/>
+          </a:xfrm>
+        </p:spPr>
+        <p:txBody>
+          <a:bodyPr/>
+          <a:lstStyle/>
+          <a:p>
+            <a:endParaRPr lang="zh-TW" altLang="en-US" dirty="0"/>
+          </a:p>
+        </p:txBody>
+      </p:sp>
+      <p:sp>
+        <p:nvSpPr>
+          <p:cNvPr id="6" name="標題 1"/>
+          <p:cNvSpPr txBox="1">
+            <a:spLocks/>
+          </p:cNvSpPr>
+          <p:nvPr/>
+        </p:nvSpPr>
+        <p:spPr>
+          <a:xfrm>
+            <a:off x="2411760" y="2924944"/>
+            <a:ext cx="4347120" cy="1143000"/>
           </a:xfrm>
           <a:prstGeom prst="rect">
             <a:avLst/>
           </a:prstGeom>
         </p:spPr>
         <p:txBody>
-          <a:bodyPr wrap="square">
-            <a:spAutoFit/>
+          <a:bodyPr vert="horz" lIns="91440" tIns="45720" rIns="91440" bIns="45720" rtlCol="0" anchor="ctr">
+            <a:normAutofit fontScale="92500" lnSpcReduction="20000"/>
           </a:bodyPr>
-          <a:lstStyle/>
-          <a:p>
-            <a:pPr marL="342900" indent="-342900">
-              <a:buFont typeface="Arial" panose="020B0604020202020204" pitchFamily="34" charset="0"/>
-              <a:buChar char="•"/>
-            </a:pPr>
-            <a:r>
-              <a:rPr lang="en-US" altLang="zh-TW" sz="2400" dirty="0" smtClean="0"/>
-              <a:t> </a:t>
-            </a:r>
-            <a:endParaRPr lang="en-US" altLang="zh-TW" sz="2400" dirty="0"/>
-          </a:p>
-          <a:p>
-            <a:endParaRPr lang="zh-TW" altLang="en-US" sz="2400" dirty="0"/>
+          <a:lstStyle>
+            <a:lvl1pPr algn="ctr" defTabSz="914400" rtl="0" eaLnBrk="1" latinLnBrk="0" hangingPunct="1">
+              <a:spcBef>
+                <a:spcPct val="0"/>
+              </a:spcBef>
+              <a:buNone/>
+              <a:defRPr sz="4400" kern="1200">
+                <a:solidFill>
+                  <a:schemeClr val="tx1"/>
+                </a:solidFill>
+                <a:latin typeface="微軟正黑體" pitchFamily="34" charset="-120"/>
+                <a:ea typeface="微軟正黑體" pitchFamily="34" charset="-120"/>
+                <a:cs typeface="+mj-cs"/>
+              </a:defRPr>
+            </a:lvl1pPr>
+          </a:lstStyle>
+          <a:p>
+            <a:r>
+              <a:rPr lang="en-US" altLang="zh-TW" b="1" dirty="0" smtClean="0"/>
+              <a:t>More Improvements</a:t>
+            </a:r>
           </a:p>
         </p:txBody>
       </p:sp>
     </p:spTree>
     <p:extLst>
       <p:ext uri="{BB962C8B-B14F-4D97-AF65-F5344CB8AC3E}">
-        <p14:creationId xmlns:p14="http://schemas.microsoft.com/office/powerpoint/2010/main" val="2820757035"/>
+        <p14:creationId xmlns:p14="http://schemas.microsoft.com/office/powerpoint/2010/main" val="581526184"/>
       </p:ext>
     </p:extLst>
   </p:cSld>
@@ -4545,115 +4730,137 @@
       </p:grpSpPr>
       <p:sp>
         <p:nvSpPr>
-          <p:cNvPr id="5" name="橢圓 4"/>
+          <p:cNvPr id="2" name="標題 1"/>
+          <p:cNvSpPr>
+            <a:spLocks noGrp="1"/>
+          </p:cNvSpPr>
+          <p:nvPr>
+            <p:ph type="title"/>
+          </p:nvPr>
+        </p:nvSpPr>
+        <p:spPr/>
+        <p:txBody>
+          <a:bodyPr/>
+          <a:lstStyle/>
+          <a:p>
+            <a:r>
+              <a:rPr lang="en-US" altLang="zh-TW" dirty="0" smtClean="0"/>
+              <a:t>Improvements</a:t>
+            </a:r>
+            <a:endParaRPr lang="zh-TW" altLang="en-US" dirty="0"/>
+          </a:p>
+        </p:txBody>
+      </p:sp>
+      <p:sp>
+        <p:nvSpPr>
+          <p:cNvPr id="33" name="投影片編號版面配置區 32"/>
+          <p:cNvSpPr>
+            <a:spLocks noGrp="1"/>
+          </p:cNvSpPr>
+          <p:nvPr>
+            <p:ph type="sldNum" sz="quarter" idx="12"/>
+          </p:nvPr>
+        </p:nvSpPr>
+        <p:spPr/>
+        <p:txBody>
+          <a:bodyPr/>
+          <a:lstStyle/>
+          <a:p>
+            <a:fld id="{D344349B-DB66-4120-941E-C93148E8AB74}" type="slidenum">
+              <a:rPr lang="zh-TW" altLang="en-US" smtClean="0"/>
+              <a:pPr/>
+              <a:t>13</a:t>
+            </a:fld>
+            <a:endParaRPr lang="zh-TW" altLang="en-US" dirty="0"/>
+          </a:p>
+        </p:txBody>
+      </p:sp>
+      <p:sp>
+        <p:nvSpPr>
+          <p:cNvPr id="5" name="矩形 4"/>
           <p:cNvSpPr/>
           <p:nvPr/>
         </p:nvSpPr>
         <p:spPr>
-          <a:xfrm rot="20830409">
-            <a:off x="669811" y="1254110"/>
-            <a:ext cx="7920880" cy="4010000"/>
-          </a:xfrm>
-          <a:prstGeom prst="ellipse">
-            <a:avLst/>
-          </a:prstGeom>
-        </p:spPr>
-        <p:style>
-          <a:lnRef idx="1">
-            <a:schemeClr val="accent3"/>
-          </a:lnRef>
-          <a:fillRef idx="2">
-            <a:schemeClr val="accent3"/>
-          </a:fillRef>
-          <a:effectRef idx="1">
-            <a:schemeClr val="accent3"/>
-          </a:effectRef>
-          <a:fontRef idx="minor">
-            <a:schemeClr val="dk1"/>
-          </a:fontRef>
-        </p:style>
-        <p:txBody>
-          <a:bodyPr rtlCol="0" anchor="ctr"/>
-          <a:lstStyle/>
-          <a:p>
-            <a:pPr algn="ctr"/>
-            <a:endParaRPr lang="zh-TW" altLang="en-US"/>
-          </a:p>
-        </p:txBody>
-      </p:sp>
-      <p:sp>
-        <p:nvSpPr>
-          <p:cNvPr id="4" name="副標題 3"/>
-          <p:cNvSpPr>
-            <a:spLocks noGrp="1"/>
-          </p:cNvSpPr>
-          <p:nvPr>
-            <p:ph type="subTitle" idx="1"/>
-          </p:nvPr>
-        </p:nvSpPr>
-        <p:spPr>
           <a:xfrm>
-            <a:off x="1371600" y="4196680"/>
-            <a:ext cx="6400800" cy="1752600"/>
-          </a:xfrm>
-        </p:spPr>
-        <p:txBody>
-          <a:bodyPr/>
-          <a:lstStyle/>
-          <a:p>
-            <a:endParaRPr lang="zh-TW" altLang="en-US" dirty="0"/>
-          </a:p>
-        </p:txBody>
-      </p:sp>
-      <p:sp>
-        <p:nvSpPr>
-          <p:cNvPr id="6" name="標題 1"/>
-          <p:cNvSpPr txBox="1">
-            <a:spLocks/>
-          </p:cNvSpPr>
-          <p:nvPr/>
-        </p:nvSpPr>
-        <p:spPr>
-          <a:xfrm>
-            <a:off x="2411760" y="2924944"/>
-            <a:ext cx="4347120" cy="1143000"/>
+            <a:off x="251520" y="1550785"/>
+            <a:ext cx="8435280" cy="3600986"/>
           </a:xfrm>
           <a:prstGeom prst="rect">
             <a:avLst/>
           </a:prstGeom>
         </p:spPr>
         <p:txBody>
-          <a:bodyPr vert="horz" lIns="91440" tIns="45720" rIns="91440" bIns="45720" rtlCol="0" anchor="ctr">
-            <a:normAutofit fontScale="92500" lnSpcReduction="20000"/>
+          <a:bodyPr wrap="square">
+            <a:spAutoFit/>
           </a:bodyPr>
-          <a:lstStyle>
-            <a:lvl1pPr algn="ctr" defTabSz="914400" rtl="0" eaLnBrk="1" latinLnBrk="0" hangingPunct="1">
-              <a:spcBef>
-                <a:spcPct val="0"/>
-              </a:spcBef>
-              <a:buNone/>
-              <a:defRPr sz="4400" kern="1200">
-                <a:solidFill>
-                  <a:schemeClr val="tx1"/>
-                </a:solidFill>
-                <a:latin typeface="微軟正黑體" pitchFamily="34" charset="-120"/>
-                <a:ea typeface="微軟正黑體" pitchFamily="34" charset="-120"/>
-                <a:cs typeface="+mj-cs"/>
-              </a:defRPr>
-            </a:lvl1pPr>
-          </a:lstStyle>
-          <a:p>
-            <a:r>
-              <a:rPr lang="en-US" altLang="zh-TW" b="1" dirty="0" smtClean="0"/>
-              <a:t>You can Improve</a:t>
-            </a:r>
+          <a:lstStyle/>
+          <a:p>
+            <a:pPr marL="342900" indent="-342900">
+              <a:buFont typeface="Arial" panose="020B0604020202020204" pitchFamily="34" charset="0"/>
+              <a:buChar char="•"/>
+            </a:pPr>
+            <a:r>
+              <a:rPr lang="en-US" altLang="zh-TW" sz="2800" dirty="0" smtClean="0"/>
+              <a:t>Send </a:t>
+            </a:r>
+            <a:r>
+              <a:rPr lang="en-US" altLang="zh-TW" sz="2800" dirty="0" err="1" smtClean="0"/>
+              <a:t>Link_ID</a:t>
+            </a:r>
+            <a:r>
+              <a:rPr lang="en-US" altLang="zh-TW" sz="2800" dirty="0" smtClean="0"/>
+              <a:t> instead </a:t>
+            </a:r>
+            <a:r>
+              <a:rPr lang="en-US" altLang="zh-TW" sz="2800" dirty="0" err="1" smtClean="0"/>
+              <a:t>crypto’s</a:t>
+            </a:r>
+            <a:r>
+              <a:rPr lang="en-US" altLang="zh-TW" sz="2800" dirty="0" smtClean="0"/>
+              <a:t> unique id when FOB initial connection with Host</a:t>
+            </a:r>
+          </a:p>
+          <a:p>
+            <a:pPr lvl="1"/>
+            <a:r>
+              <a:rPr lang="en-US" altLang="zh-TW" sz="2400" i="1" dirty="0" smtClean="0"/>
+              <a:t>When pairing, Host remember FOB’s unique id then keep it into EEPROM; the id is from Crypto IC. For better security, Host can random generate a </a:t>
+            </a:r>
+            <a:r>
+              <a:rPr lang="en-US" altLang="zh-TW" sz="2400" i="1" dirty="0" err="1" smtClean="0"/>
+              <a:t>Link_ID</a:t>
+            </a:r>
+            <a:r>
+              <a:rPr lang="en-US" altLang="zh-TW" sz="2400" i="1" dirty="0" smtClean="0"/>
+              <a:t> for each FOB instead using crypto unique id. But FOB need to consider how to keep </a:t>
+            </a:r>
+            <a:r>
+              <a:rPr lang="en-US" altLang="zh-TW" sz="2400" i="1" dirty="0" err="1" smtClean="0"/>
+              <a:t>Link_ID</a:t>
+            </a:r>
+            <a:r>
+              <a:rPr lang="en-US" altLang="zh-TW" sz="2400" i="1" dirty="0" smtClean="0"/>
+              <a:t> when power down. EEPROM may add cost.</a:t>
+            </a:r>
+            <a:endParaRPr lang="en-US" altLang="zh-TW" sz="2400" i="1" dirty="0"/>
+          </a:p>
+          <a:p>
+            <a:pPr marL="342900" indent="-342900">
+              <a:buFont typeface="Arial" panose="020B0604020202020204" pitchFamily="34" charset="0"/>
+              <a:buChar char="•"/>
+            </a:pPr>
+            <a:endParaRPr lang="en-US" altLang="zh-TW" sz="2400" dirty="0" smtClean="0"/>
+          </a:p>
+          <a:p>
+            <a:endParaRPr lang="en-US" altLang="zh-TW" sz="2400" dirty="0"/>
           </a:p>
         </p:txBody>
       </p:sp>
     </p:spTree>
     <p:extLst>
       <p:ext uri="{BB962C8B-B14F-4D97-AF65-F5344CB8AC3E}">
-        <p14:creationId xmlns:p14="http://schemas.microsoft.com/office/powerpoint/2010/main" val="581526184"/>
+        <p14:creationId xmlns:p14="http://schemas.microsoft.com/office/powerpoint/2010/main" val="3370345256"/>
       </p:ext>
     </p:extLst>
   </p:cSld>
@@ -4746,7 +4953,7 @@
         <p:spPr>
           <a:xfrm>
             <a:off x="251520" y="1550785"/>
-            <a:ext cx="8435280" cy="3600986"/>
+            <a:ext cx="8435280" cy="4955203"/>
           </a:xfrm>
           <a:prstGeom prst="rect">
             <a:avLst/>
@@ -4764,57 +4971,96 @@
             </a:pPr>
             <a:r>
               <a:rPr lang="en-US" altLang="zh-TW" sz="2800" dirty="0" smtClean="0"/>
-              <a:t>Send </a:t>
-            </a:r>
-            <a:r>
-              <a:rPr lang="en-US" altLang="zh-TW" sz="2800" dirty="0" err="1" smtClean="0"/>
-              <a:t>Link_ID</a:t>
-            </a:r>
-            <a:r>
-              <a:rPr lang="en-US" altLang="zh-TW" sz="2800" dirty="0" smtClean="0"/>
-              <a:t> instead </a:t>
-            </a:r>
-            <a:r>
-              <a:rPr lang="en-US" altLang="zh-TW" sz="2800" dirty="0" err="1" smtClean="0"/>
-              <a:t>crypto’s</a:t>
-            </a:r>
-            <a:r>
-              <a:rPr lang="en-US" altLang="zh-TW" sz="2800" dirty="0" smtClean="0"/>
-              <a:t> unique id when FOB initial connection with Host</a:t>
+              <a:t>Unidirectional flow mode from FOB to Host</a:t>
             </a:r>
           </a:p>
           <a:p>
             <a:pPr lvl="1"/>
             <a:r>
               <a:rPr lang="en-US" altLang="zh-TW" sz="2400" i="1" dirty="0" smtClean="0"/>
-              <a:t>When pairing, Host remember FOB’s unique id then keep it into EEPROM; the id is from Crypto IC. For better security, Host can random generate a </a:t>
+              <a:t>The Host question FOB every time by sending a big random number, once FOB answer is correct; Host doesn’t question FOB anymore before </a:t>
             </a:r>
             <a:r>
               <a:rPr lang="en-US" altLang="zh-TW" sz="2400" i="1" dirty="0" err="1" smtClean="0"/>
-              <a:t>Link_ID</a:t>
+              <a:t>DownCounter</a:t>
             </a:r>
             <a:r>
               <a:rPr lang="en-US" altLang="zh-TW" sz="2400" i="1" dirty="0" smtClean="0"/>
-              <a:t> for each FOB instead using crypto unique id. But FOB need to consider how to keep </a:t>
+              <a:t> </a:t>
             </a:r>
             <a:r>
               <a:rPr lang="en-US" altLang="zh-TW" sz="2400" i="1" dirty="0" err="1" smtClean="0"/>
-              <a:t>Link_ID</a:t>
+              <a:t>decrese</a:t>
             </a:r>
             <a:r>
               <a:rPr lang="en-US" altLang="zh-TW" sz="2400" i="1" dirty="0" smtClean="0"/>
-              <a:t> when power down. EEPROM may add cost.</a:t>
-            </a:r>
+              <a:t> to 0; Instead the new question can be last random number + </a:t>
+            </a:r>
+            <a:r>
+              <a:rPr lang="en-US" altLang="zh-TW" sz="2400" i="1" dirty="0" err="1" smtClean="0"/>
+              <a:t>DownCounter</a:t>
+            </a:r>
+            <a:r>
+              <a:rPr lang="en-US" altLang="zh-TW" sz="2400" i="1" dirty="0" smtClean="0"/>
+              <a:t>.</a:t>
+            </a:r>
+          </a:p>
+          <a:p>
+            <a:pPr lvl="1"/>
             <a:endParaRPr lang="en-US" altLang="zh-TW" sz="2400" i="1" dirty="0"/>
           </a:p>
           <a:p>
-            <a:pPr marL="342900" indent="-342900">
-              <a:buFont typeface="Arial" panose="020B0604020202020204" pitchFamily="34" charset="0"/>
-              <a:buChar char="•"/>
-            </a:pPr>
-            <a:endParaRPr lang="en-US" altLang="zh-TW" sz="2400" dirty="0" smtClean="0"/>
-          </a:p>
-          <a:p>
+            <a:pPr lvl="1"/>
+            <a:r>
+              <a:rPr lang="en-US" altLang="zh-TW" sz="2400" i="1" dirty="0" smtClean="0"/>
+              <a:t>Example:</a:t>
+            </a:r>
+          </a:p>
+          <a:p>
+            <a:pPr lvl="1"/>
+            <a:r>
+              <a:rPr lang="en-US" altLang="zh-TW" sz="2400" i="1" dirty="0" smtClean="0"/>
+              <a:t>If FOB want to open door, just send “</a:t>
+            </a:r>
+            <a:r>
+              <a:rPr lang="en-US" altLang="zh-TW" sz="2400" i="1" dirty="0" err="1" smtClean="0"/>
+              <a:t>DownCounter</a:t>
+            </a:r>
+            <a:r>
+              <a:rPr lang="en-US" altLang="zh-TW" sz="2400" i="1" dirty="0" smtClean="0"/>
+              <a:t> &amp; Answer” to Host. Host need to use RND# and </a:t>
+            </a:r>
+            <a:r>
+              <a:rPr lang="en-US" altLang="zh-TW" sz="2400" i="1" dirty="0" err="1" smtClean="0"/>
+              <a:t>DownCounter</a:t>
+            </a:r>
+            <a:r>
+              <a:rPr lang="en-US" altLang="zh-TW" sz="2400" i="1" dirty="0" smtClean="0"/>
+              <a:t> as input parameters to verify the Answer from FOB. When the answer is right, do open the door. </a:t>
+            </a:r>
+          </a:p>
+          <a:p>
+            <a:pPr lvl="1"/>
+            <a:r>
+              <a:rPr lang="en-US" altLang="zh-TW" sz="2400" i="1" dirty="0" smtClean="0"/>
+              <a:t>Host must verify </a:t>
+            </a:r>
+            <a:r>
+              <a:rPr lang="en-US" altLang="zh-TW" sz="2400" i="1" dirty="0" err="1" smtClean="0"/>
+              <a:t>DownCounter</a:t>
+            </a:r>
+            <a:r>
+              <a:rPr lang="en-US" altLang="zh-TW" sz="2400" i="1" dirty="0" smtClean="0"/>
+              <a:t> is decreased every time and provide a new question (RND#) if </a:t>
+            </a:r>
+            <a:r>
+              <a:rPr lang="en-US" altLang="zh-TW" sz="2400" i="1" dirty="0" err="1" smtClean="0"/>
+              <a:t>DownCounter</a:t>
+            </a:r>
+            <a:r>
+              <a:rPr lang="en-US" altLang="zh-TW" sz="2400" i="1" dirty="0" smtClean="0"/>
+              <a:t> become 0</a:t>
+            </a:r>
             <a:endParaRPr lang="en-US" altLang="zh-TW" sz="2400" dirty="0"/>
           </a:p>
         </p:txBody>
@@ -4822,7 +5068,7 @@
     </p:spTree>
     <p:extLst>
       <p:ext uri="{BB962C8B-B14F-4D97-AF65-F5344CB8AC3E}">
-        <p14:creationId xmlns:p14="http://schemas.microsoft.com/office/powerpoint/2010/main" val="3370345256"/>
+        <p14:creationId xmlns:p14="http://schemas.microsoft.com/office/powerpoint/2010/main" val="3068943116"/>
       </p:ext>
     </p:extLst>
   </p:cSld>
@@ -4915,7 +5161,7 @@
         <p:spPr>
           <a:xfrm>
             <a:off x="251520" y="1550785"/>
-            <a:ext cx="8435280" cy="4955203"/>
+            <a:ext cx="8435280" cy="2554545"/>
           </a:xfrm>
           <a:prstGeom prst="rect">
             <a:avLst/>
@@ -4933,96 +5179,24 @@
             </a:pPr>
             <a:r>
               <a:rPr lang="en-US" altLang="zh-TW" sz="2800" dirty="0" smtClean="0"/>
-              <a:t>Unidirectional flow mode from FOB to Host</a:t>
+              <a:t>Automatically channel change</a:t>
             </a:r>
           </a:p>
           <a:p>
             <a:pPr lvl="1"/>
             <a:r>
-              <a:rPr lang="en-US" altLang="zh-TW" sz="2400" i="1" dirty="0" smtClean="0"/>
-              <a:t>The Host question FOB every time by sending a big random number, once FOB answer is correct; Host doesn’t question FOB anymore before </a:t>
-            </a:r>
-            <a:r>
-              <a:rPr lang="en-US" altLang="zh-TW" sz="2400" i="1" dirty="0" err="1" smtClean="0"/>
-              <a:t>DownCounter</a:t>
-            </a:r>
-            <a:r>
-              <a:rPr lang="en-US" altLang="zh-TW" sz="2400" i="1" dirty="0" smtClean="0"/>
-              <a:t> </a:t>
-            </a:r>
-            <a:r>
-              <a:rPr lang="en-US" altLang="zh-TW" sz="2400" i="1" dirty="0" err="1" smtClean="0"/>
-              <a:t>decrese</a:t>
-            </a:r>
-            <a:r>
-              <a:rPr lang="en-US" altLang="zh-TW" sz="2400" i="1" dirty="0" smtClean="0"/>
-              <a:t> to 0; Instead the new question can be last random number + </a:t>
-            </a:r>
-            <a:r>
-              <a:rPr lang="en-US" altLang="zh-TW" sz="2400" i="1" dirty="0" err="1" smtClean="0"/>
-              <a:t>DownCounter</a:t>
-            </a:r>
-            <a:r>
-              <a:rPr lang="en-US" altLang="zh-TW" sz="2400" i="1" dirty="0" smtClean="0"/>
-              <a:t>.</a:t>
-            </a:r>
-          </a:p>
-          <a:p>
-            <a:pPr lvl="1"/>
-            <a:endParaRPr lang="en-US" altLang="zh-TW" sz="2400" i="1" dirty="0"/>
-          </a:p>
-          <a:p>
-            <a:pPr lvl="1"/>
-            <a:r>
-              <a:rPr lang="en-US" altLang="zh-TW" sz="2400" i="1" dirty="0" smtClean="0"/>
-              <a:t>Example:</a:t>
-            </a:r>
-          </a:p>
-          <a:p>
-            <a:pPr lvl="1"/>
-            <a:r>
-              <a:rPr lang="en-US" altLang="zh-TW" sz="2400" i="1" dirty="0" smtClean="0"/>
-              <a:t>If FOB want to open door, just send “</a:t>
-            </a:r>
-            <a:r>
-              <a:rPr lang="en-US" altLang="zh-TW" sz="2400" i="1" dirty="0" err="1" smtClean="0"/>
-              <a:t>DownCounter</a:t>
-            </a:r>
-            <a:r>
-              <a:rPr lang="en-US" altLang="zh-TW" sz="2400" i="1" dirty="0" smtClean="0"/>
-              <a:t> &amp; Answer” to Host. Host need to use RND# and </a:t>
-            </a:r>
-            <a:r>
-              <a:rPr lang="en-US" altLang="zh-TW" sz="2400" i="1" dirty="0" err="1" smtClean="0"/>
-              <a:t>DownCounter</a:t>
-            </a:r>
-            <a:r>
-              <a:rPr lang="en-US" altLang="zh-TW" sz="2400" i="1" dirty="0" smtClean="0"/>
-              <a:t> as input parameters to verify the Answer from FOB. When the answer is right, do open the door. </a:t>
-            </a:r>
-          </a:p>
-          <a:p>
-            <a:pPr lvl="1"/>
-            <a:r>
-              <a:rPr lang="en-US" altLang="zh-TW" sz="2400" i="1" dirty="0" smtClean="0"/>
-              <a:t>Host must verify </a:t>
-            </a:r>
-            <a:r>
-              <a:rPr lang="en-US" altLang="zh-TW" sz="2400" i="1" dirty="0" err="1" smtClean="0"/>
-              <a:t>DownCounter</a:t>
-            </a:r>
-            <a:r>
-              <a:rPr lang="en-US" altLang="zh-TW" sz="2400" i="1" dirty="0" smtClean="0"/>
-              <a:t> is decreased every time and provide a new question (RND#) if </a:t>
-            </a:r>
-            <a:r>
-              <a:rPr lang="en-US" altLang="zh-TW" sz="2400" i="1" dirty="0" err="1" smtClean="0"/>
-              <a:t>DownCounter</a:t>
-            </a:r>
-            <a:r>
-              <a:rPr lang="en-US" altLang="zh-TW" sz="2400" i="1" dirty="0" smtClean="0"/>
-              <a:t> become 0</a:t>
-            </a:r>
+              <a:rPr lang="en-US" altLang="zh-TW" sz="2800" dirty="0" smtClean="0"/>
+              <a:t>RF MCU can support channel slot change in SW. you can implement an algorithm to avoid channel conflicts</a:t>
+            </a:r>
+          </a:p>
+          <a:p>
+            <a:pPr marL="342900" indent="-342900">
+              <a:buFont typeface="Arial" panose="020B0604020202020204" pitchFamily="34" charset="0"/>
+              <a:buChar char="•"/>
+            </a:pPr>
+            <a:endParaRPr lang="en-US" altLang="zh-TW" sz="2400" dirty="0" smtClean="0"/>
+          </a:p>
+          <a:p>
             <a:endParaRPr lang="en-US" altLang="zh-TW" sz="2400" dirty="0"/>
           </a:p>
         </p:txBody>
@@ -5030,7 +5204,7 @@
     </p:spTree>
     <p:extLst>
       <p:ext uri="{BB962C8B-B14F-4D97-AF65-F5344CB8AC3E}">
-        <p14:creationId xmlns:p14="http://schemas.microsoft.com/office/powerpoint/2010/main" val="3068943116"/>
+        <p14:creationId xmlns:p14="http://schemas.microsoft.com/office/powerpoint/2010/main" val="3681531307"/>
       </p:ext>
     </p:extLst>
   </p:cSld>
@@ -5069,104 +5243,116 @@
       </p:grpSpPr>
       <p:sp>
         <p:nvSpPr>
-          <p:cNvPr id="2" name="標題 1"/>
-          <p:cNvSpPr>
-            <a:spLocks noGrp="1"/>
-          </p:cNvSpPr>
-          <p:nvPr>
-            <p:ph type="title"/>
-          </p:nvPr>
-        </p:nvSpPr>
-        <p:spPr/>
-        <p:txBody>
-          <a:bodyPr/>
-          <a:lstStyle/>
-          <a:p>
-            <a:r>
-              <a:rPr lang="en-US" altLang="zh-TW" dirty="0" smtClean="0"/>
-              <a:t>Improvements</a:t>
-            </a:r>
-            <a:endParaRPr lang="zh-TW" altLang="en-US" dirty="0"/>
-          </a:p>
-        </p:txBody>
-      </p:sp>
-      <p:sp>
-        <p:nvSpPr>
-          <p:cNvPr id="33" name="投影片編號版面配置區 32"/>
-          <p:cNvSpPr>
-            <a:spLocks noGrp="1"/>
-          </p:cNvSpPr>
-          <p:nvPr>
-            <p:ph type="sldNum" sz="quarter" idx="12"/>
-          </p:nvPr>
-        </p:nvSpPr>
-        <p:spPr/>
-        <p:txBody>
-          <a:bodyPr/>
-          <a:lstStyle/>
-          <a:p>
-            <a:fld id="{D344349B-DB66-4120-941E-C93148E8AB74}" type="slidenum">
-              <a:rPr lang="zh-TW" altLang="en-US" smtClean="0"/>
-              <a:pPr/>
-              <a:t>16</a:t>
-            </a:fld>
-            <a:endParaRPr lang="zh-TW" altLang="en-US" dirty="0"/>
-          </a:p>
-        </p:txBody>
-      </p:sp>
-      <p:sp>
-        <p:nvSpPr>
-          <p:cNvPr id="5" name="矩形 4"/>
+          <p:cNvPr id="5" name="橢圓 4"/>
           <p:cNvSpPr/>
           <p:nvPr/>
         </p:nvSpPr>
         <p:spPr>
+          <a:xfrm rot="20830409">
+            <a:off x="669811" y="1254110"/>
+            <a:ext cx="7920880" cy="4010000"/>
+          </a:xfrm>
+          <a:prstGeom prst="ellipse">
+            <a:avLst/>
+          </a:prstGeom>
+        </p:spPr>
+        <p:style>
+          <a:lnRef idx="1">
+            <a:schemeClr val="accent3"/>
+          </a:lnRef>
+          <a:fillRef idx="2">
+            <a:schemeClr val="accent3"/>
+          </a:fillRef>
+          <a:effectRef idx="1">
+            <a:schemeClr val="accent3"/>
+          </a:effectRef>
+          <a:fontRef idx="minor">
+            <a:schemeClr val="dk1"/>
+          </a:fontRef>
+        </p:style>
+        <p:txBody>
+          <a:bodyPr rtlCol="0" anchor="ctr"/>
+          <a:lstStyle/>
+          <a:p>
+            <a:pPr algn="ctr"/>
+            <a:endParaRPr lang="zh-TW" altLang="en-US"/>
+          </a:p>
+        </p:txBody>
+      </p:sp>
+      <p:sp>
+        <p:nvSpPr>
+          <p:cNvPr id="4" name="副標題 3"/>
+          <p:cNvSpPr>
+            <a:spLocks noGrp="1"/>
+          </p:cNvSpPr>
+          <p:nvPr>
+            <p:ph type="subTitle" idx="1"/>
+          </p:nvPr>
+        </p:nvSpPr>
+        <p:spPr>
           <a:xfrm>
-            <a:off x="251520" y="1550785"/>
-            <a:ext cx="8435280" cy="2554545"/>
+            <a:off x="1371600" y="4196680"/>
+            <a:ext cx="6400800" cy="1752600"/>
+          </a:xfrm>
+        </p:spPr>
+        <p:txBody>
+          <a:bodyPr/>
+          <a:lstStyle/>
+          <a:p>
+            <a:endParaRPr lang="zh-TW" altLang="en-US" dirty="0"/>
+          </a:p>
+        </p:txBody>
+      </p:sp>
+      <p:sp>
+        <p:nvSpPr>
+          <p:cNvPr id="6" name="標題 1"/>
+          <p:cNvSpPr txBox="1">
+            <a:spLocks/>
+          </p:cNvSpPr>
+          <p:nvPr/>
+        </p:nvSpPr>
+        <p:spPr>
+          <a:xfrm>
+            <a:off x="2411760" y="2924944"/>
+            <a:ext cx="4347120" cy="1143000"/>
           </a:xfrm>
           <a:prstGeom prst="rect">
             <a:avLst/>
           </a:prstGeom>
         </p:spPr>
         <p:txBody>
-          <a:bodyPr wrap="square">
-            <a:spAutoFit/>
+          <a:bodyPr vert="horz" lIns="91440" tIns="45720" rIns="91440" bIns="45720" rtlCol="0" anchor="ctr">
+            <a:normAutofit fontScale="92500" lnSpcReduction="20000"/>
           </a:bodyPr>
-          <a:lstStyle/>
-          <a:p>
-            <a:pPr marL="342900" indent="-342900">
-              <a:buFont typeface="Arial" panose="020B0604020202020204" pitchFamily="34" charset="0"/>
-              <a:buChar char="•"/>
-            </a:pPr>
-            <a:r>
-              <a:rPr lang="en-US" altLang="zh-TW" sz="2800" dirty="0" smtClean="0"/>
-              <a:t>Automatically channel change</a:t>
-            </a:r>
-          </a:p>
-          <a:p>
-            <a:pPr lvl="1"/>
-            <a:r>
-              <a:rPr lang="en-US" altLang="zh-TW" sz="2800" dirty="0" smtClean="0"/>
-              <a:t>RF MCU can support channel slot change in SW. you can implement an algorithm to avoid channel conflicts</a:t>
-            </a:r>
-          </a:p>
-          <a:p>
-            <a:pPr marL="342900" indent="-342900">
-              <a:buFont typeface="Arial" panose="020B0604020202020204" pitchFamily="34" charset="0"/>
-              <a:buChar char="•"/>
-            </a:pPr>
-            <a:endParaRPr lang="en-US" altLang="zh-TW" sz="2400" dirty="0" smtClean="0"/>
-          </a:p>
-          <a:p>
-            <a:endParaRPr lang="en-US" altLang="zh-TW" sz="2400" dirty="0"/>
+          <a:lstStyle>
+            <a:lvl1pPr algn="ctr" defTabSz="914400" rtl="0" eaLnBrk="1" latinLnBrk="0" hangingPunct="1">
+              <a:spcBef>
+                <a:spcPct val="0"/>
+              </a:spcBef>
+              <a:buNone/>
+              <a:defRPr sz="4400" kern="1200">
+                <a:solidFill>
+                  <a:schemeClr val="tx1"/>
+                </a:solidFill>
+                <a:latin typeface="微軟正黑體" pitchFamily="34" charset="-120"/>
+                <a:ea typeface="微軟正黑體" pitchFamily="34" charset="-120"/>
+                <a:cs typeface="+mj-cs"/>
+              </a:defRPr>
+            </a:lvl1pPr>
+          </a:lstStyle>
+          <a:p>
+            <a:r>
+              <a:rPr lang="en-US" altLang="zh-TW" b="1" dirty="0" smtClean="0"/>
+              <a:t>Crypto IC Datasheet</a:t>
+            </a:r>
+            <a:endParaRPr lang="zh-TW" altLang="en-US" b="1" dirty="0"/>
           </a:p>
         </p:txBody>
       </p:sp>
     </p:spTree>
     <p:extLst>
       <p:ext uri="{BB962C8B-B14F-4D97-AF65-F5344CB8AC3E}">
-        <p14:creationId xmlns:p14="http://schemas.microsoft.com/office/powerpoint/2010/main" val="3681531307"/>
+        <p14:creationId xmlns:p14="http://schemas.microsoft.com/office/powerpoint/2010/main" val="792565035"/>
       </p:ext>
     </p:extLst>
   </p:cSld>
@@ -5205,120 +5391,275 @@
       </p:grpSpPr>
       <p:sp>
         <p:nvSpPr>
-          <p:cNvPr id="5" name="橢圓 4"/>
+          <p:cNvPr id="2" name="標題 1"/>
+          <p:cNvSpPr>
+            <a:spLocks noGrp="1"/>
+          </p:cNvSpPr>
+          <p:nvPr>
+            <p:ph type="title"/>
+          </p:nvPr>
+        </p:nvSpPr>
+        <p:spPr/>
+        <p:txBody>
+          <a:bodyPr>
+            <a:normAutofit/>
+          </a:bodyPr>
+          <a:lstStyle/>
+          <a:p>
+            <a:r>
+              <a:rPr lang="en-US" altLang="zh-TW" dirty="0"/>
+              <a:t>ATSHA204 </a:t>
+            </a:r>
+            <a:r>
+              <a:rPr lang="en-US" altLang="zh-TW" dirty="0" smtClean="0"/>
+              <a:t>Features</a:t>
+            </a:r>
+            <a:endParaRPr lang="zh-TW" altLang="en-US" dirty="0"/>
+          </a:p>
+        </p:txBody>
+      </p:sp>
+      <p:sp>
+        <p:nvSpPr>
+          <p:cNvPr id="33" name="投影片編號版面配置區 32"/>
+          <p:cNvSpPr>
+            <a:spLocks noGrp="1"/>
+          </p:cNvSpPr>
+          <p:nvPr>
+            <p:ph type="sldNum" sz="quarter" idx="12"/>
+          </p:nvPr>
+        </p:nvSpPr>
+        <p:spPr/>
+        <p:txBody>
+          <a:bodyPr/>
+          <a:lstStyle/>
+          <a:p>
+            <a:fld id="{D344349B-DB66-4120-941E-C93148E8AB74}" type="slidenum">
+              <a:rPr lang="zh-TW" altLang="en-US" smtClean="0"/>
+              <a:pPr/>
+              <a:t>17</a:t>
+            </a:fld>
+            <a:endParaRPr lang="zh-TW" altLang="en-US" dirty="0"/>
+          </a:p>
+        </p:txBody>
+      </p:sp>
+      <p:sp>
+        <p:nvSpPr>
+          <p:cNvPr id="5" name="矩形 4"/>
           <p:cNvSpPr/>
           <p:nvPr/>
         </p:nvSpPr>
         <p:spPr>
-          <a:xfrm rot="20830409">
-            <a:off x="669811" y="1254110"/>
-            <a:ext cx="7920880" cy="4010000"/>
-          </a:xfrm>
-          <a:prstGeom prst="ellipse">
-            <a:avLst/>
-          </a:prstGeom>
-        </p:spPr>
-        <p:style>
-          <a:lnRef idx="1">
-            <a:schemeClr val="accent3"/>
-          </a:lnRef>
-          <a:fillRef idx="2">
-            <a:schemeClr val="accent3"/>
-          </a:fillRef>
-          <a:effectRef idx="1">
-            <a:schemeClr val="accent3"/>
-          </a:effectRef>
-          <a:fontRef idx="minor">
-            <a:schemeClr val="dk1"/>
-          </a:fontRef>
-        </p:style>
-        <p:txBody>
-          <a:bodyPr rtlCol="0" anchor="ctr"/>
-          <a:lstStyle/>
-          <a:p>
-            <a:pPr algn="ctr"/>
-            <a:endParaRPr lang="zh-TW" altLang="en-US"/>
-          </a:p>
-        </p:txBody>
-      </p:sp>
-      <p:sp>
-        <p:nvSpPr>
-          <p:cNvPr id="4" name="副標題 3"/>
-          <p:cNvSpPr>
-            <a:spLocks noGrp="1"/>
-          </p:cNvSpPr>
-          <p:nvPr>
-            <p:ph type="subTitle" idx="1"/>
-          </p:nvPr>
-        </p:nvSpPr>
-        <p:spPr>
           <a:xfrm>
-            <a:off x="1371600" y="4196680"/>
-            <a:ext cx="6400800" cy="1752600"/>
-          </a:xfrm>
-        </p:spPr>
-        <p:txBody>
-          <a:bodyPr/>
-          <a:lstStyle/>
-          <a:p>
-            <a:endParaRPr lang="zh-TW" altLang="en-US" dirty="0"/>
-          </a:p>
-        </p:txBody>
-      </p:sp>
-      <p:sp>
-        <p:nvSpPr>
-          <p:cNvPr id="6" name="標題 1"/>
-          <p:cNvSpPr txBox="1">
-            <a:spLocks/>
-          </p:cNvSpPr>
-          <p:nvPr/>
-        </p:nvSpPr>
-        <p:spPr>
-          <a:xfrm>
-            <a:off x="2411760" y="2924944"/>
-            <a:ext cx="4347120" cy="1143000"/>
+            <a:off x="251520" y="1550785"/>
+            <a:ext cx="8435280" cy="4401205"/>
           </a:xfrm>
           <a:prstGeom prst="rect">
             <a:avLst/>
           </a:prstGeom>
         </p:spPr>
         <p:txBody>
-          <a:bodyPr vert="horz" lIns="91440" tIns="45720" rIns="91440" bIns="45720" rtlCol="0" anchor="ctr">
-            <a:normAutofit fontScale="92500" lnSpcReduction="20000"/>
+          <a:bodyPr wrap="square">
+            <a:spAutoFit/>
           </a:bodyPr>
-          <a:lstStyle>
-            <a:lvl1pPr algn="ctr" defTabSz="914400" rtl="0" eaLnBrk="1" latinLnBrk="0" hangingPunct="1">
-              <a:spcBef>
-                <a:spcPct val="0"/>
-              </a:spcBef>
-              <a:buNone/>
-              <a:defRPr sz="4400" kern="1200">
-                <a:solidFill>
-                  <a:schemeClr val="tx1"/>
-                </a:solidFill>
-                <a:latin typeface="微軟正黑體" pitchFamily="34" charset="-120"/>
-                <a:ea typeface="微軟正黑體" pitchFamily="34" charset="-120"/>
-                <a:cs typeface="+mj-cs"/>
-              </a:defRPr>
-            </a:lvl1pPr>
-          </a:lstStyle>
-          <a:p>
-            <a:r>
-              <a:rPr lang="en-US" altLang="zh-TW" b="1" dirty="0" smtClean="0"/>
-              <a:t>Crypto IC </a:t>
-            </a:r>
-            <a:r>
-              <a:rPr lang="en-US" altLang="zh-TW" b="1" dirty="0" smtClean="0"/>
-              <a:t>Datasheet</a:t>
-            </a:r>
-            <a:endParaRPr lang="zh-TW" altLang="en-US" b="1" dirty="0"/>
+          <a:lstStyle/>
+          <a:p>
+            <a:pPr marL="285750" indent="-285750">
+              <a:buFont typeface="Arial" panose="020B0604020202020204" pitchFamily="34" charset="0"/>
+              <a:buChar char="•"/>
+            </a:pPr>
+            <a:r>
+              <a:rPr lang="en-US" altLang="zh-TW" sz="2000" dirty="0" smtClean="0"/>
+              <a:t>Cost-effective </a:t>
+            </a:r>
+            <a:r>
+              <a:rPr lang="en-US" altLang="zh-TW" sz="2000" dirty="0"/>
+              <a:t>Symmetric Authentication </a:t>
+            </a:r>
+            <a:r>
+              <a:rPr lang="en-US" altLang="zh-TW" sz="2000" dirty="0" smtClean="0"/>
+              <a:t>Solution (Fast Authentication)</a:t>
+            </a:r>
+            <a:endParaRPr lang="en-US" altLang="zh-TW" sz="2000" dirty="0"/>
+          </a:p>
+          <a:p>
+            <a:pPr marL="285750" indent="-285750">
+              <a:buFont typeface="Arial" panose="020B0604020202020204" pitchFamily="34" charset="0"/>
+              <a:buChar char="•"/>
+            </a:pPr>
+            <a:r>
+              <a:rPr lang="en-US" altLang="zh-TW" sz="2000" dirty="0"/>
+              <a:t>Secure Symmetric Authentication Device Host and Client Operations</a:t>
+            </a:r>
+          </a:p>
+          <a:p>
+            <a:pPr marL="285750" indent="-285750">
+              <a:buFont typeface="Arial" panose="020B0604020202020204" pitchFamily="34" charset="0"/>
+              <a:buChar char="•"/>
+            </a:pPr>
+            <a:r>
+              <a:rPr lang="en-US" altLang="zh-TW" sz="2000" dirty="0" smtClean="0"/>
+              <a:t>Easy </a:t>
+            </a:r>
+            <a:r>
+              <a:rPr lang="en-US" altLang="zh-TW" sz="2000" dirty="0"/>
+              <a:t>Key Management</a:t>
+            </a:r>
+          </a:p>
+          <a:p>
+            <a:pPr marL="285750" indent="-285750">
+              <a:buFont typeface="Arial" panose="020B0604020202020204" pitchFamily="34" charset="0"/>
+              <a:buChar char="•"/>
+            </a:pPr>
+            <a:r>
+              <a:rPr lang="en-US" altLang="zh-TW" sz="2000" dirty="0"/>
+              <a:t>Crypto Element with Protected Hardware-based Key Storage</a:t>
+            </a:r>
+          </a:p>
+          <a:p>
+            <a:pPr marL="285750" indent="-285750">
+              <a:buFont typeface="Arial" panose="020B0604020202020204" pitchFamily="34" charset="0"/>
+              <a:buChar char="•"/>
+            </a:pPr>
+            <a:r>
+              <a:rPr lang="en-US" altLang="zh-TW" sz="2000" dirty="0" smtClean="0"/>
+              <a:t>Best </a:t>
+            </a:r>
+            <a:r>
+              <a:rPr lang="en-US" altLang="zh-TW" sz="2000" dirty="0"/>
+              <a:t>suited for counterfeit prevention</a:t>
+            </a:r>
+          </a:p>
+          <a:p>
+            <a:pPr marL="285750" indent="-285750">
+              <a:buFont typeface="Arial" panose="020B0604020202020204" pitchFamily="34" charset="0"/>
+              <a:buChar char="•"/>
+            </a:pPr>
+            <a:r>
+              <a:rPr lang="en-US" altLang="zh-TW" sz="2000" dirty="0" smtClean="0"/>
+              <a:t>Superior </a:t>
+            </a:r>
+            <a:r>
+              <a:rPr lang="en-US" altLang="zh-TW" sz="2000" dirty="0"/>
+              <a:t>SHA-256 Hash Algorithm with Message Authentication Code (MAC)</a:t>
+            </a:r>
+          </a:p>
+          <a:p>
+            <a:pPr marL="285750" indent="-285750">
+              <a:buFont typeface="Arial" panose="020B0604020202020204" pitchFamily="34" charset="0"/>
+              <a:buChar char="•"/>
+            </a:pPr>
+            <a:r>
+              <a:rPr lang="en-US" altLang="zh-TW" sz="2000" dirty="0" smtClean="0"/>
+              <a:t>Best-in-class</a:t>
+            </a:r>
+            <a:r>
+              <a:rPr lang="en-US" altLang="zh-TW" sz="2000" dirty="0"/>
+              <a:t>, 256-bit Key Length; Storage for Up to 16 Keys</a:t>
+            </a:r>
+          </a:p>
+          <a:p>
+            <a:pPr marL="285750" indent="-285750">
+              <a:buFont typeface="Arial" panose="020B0604020202020204" pitchFamily="34" charset="0"/>
+              <a:buChar char="•"/>
+            </a:pPr>
+            <a:r>
+              <a:rPr lang="en-US" altLang="zh-TW" sz="2000" dirty="0" smtClean="0"/>
+              <a:t>Guaranteed </a:t>
+            </a:r>
+            <a:r>
+              <a:rPr lang="en-US" altLang="zh-TW" sz="2000" dirty="0"/>
+              <a:t>Unique 72-bit Serial Number</a:t>
+            </a:r>
+          </a:p>
+          <a:p>
+            <a:pPr marL="285750" indent="-285750">
+              <a:buFont typeface="Arial" panose="020B0604020202020204" pitchFamily="34" charset="0"/>
+              <a:buChar char="•"/>
+            </a:pPr>
+            <a:r>
+              <a:rPr lang="en-US" altLang="zh-TW" sz="2000" dirty="0" smtClean="0"/>
+              <a:t>Internal</a:t>
+            </a:r>
+            <a:r>
+              <a:rPr lang="en-US" altLang="zh-TW" sz="2000" dirty="0"/>
+              <a:t>, High-quality Random Number Generator (RNG)</a:t>
+            </a:r>
+          </a:p>
+          <a:p>
+            <a:pPr marL="285750" indent="-285750">
+              <a:buFont typeface="Arial" panose="020B0604020202020204" pitchFamily="34" charset="0"/>
+              <a:buChar char="•"/>
+            </a:pPr>
+            <a:r>
+              <a:rPr lang="en-US" altLang="zh-TW" sz="2000" dirty="0" smtClean="0"/>
+              <a:t>4.5Kb </a:t>
+            </a:r>
+            <a:r>
+              <a:rPr lang="en-US" altLang="zh-TW" sz="2000" dirty="0"/>
+              <a:t>EEPROM for Keys and </a:t>
+            </a:r>
+            <a:r>
+              <a:rPr lang="en-US" altLang="zh-TW" sz="2000" dirty="0" smtClean="0"/>
+              <a:t>Data, includes 512 </a:t>
+            </a:r>
+            <a:r>
+              <a:rPr lang="en-US" altLang="zh-TW" sz="2000" dirty="0"/>
+              <a:t>bit OTP (One Time Programmable) Bits for </a:t>
+            </a:r>
+            <a:r>
+              <a:rPr lang="en-US" altLang="zh-TW" sz="2000" dirty="0" smtClean="0"/>
+              <a:t>Fixed</a:t>
+            </a:r>
+            <a:endParaRPr lang="en-US" altLang="zh-TW" sz="2000" dirty="0"/>
+          </a:p>
+          <a:p>
+            <a:pPr marL="285750" indent="-285750">
+              <a:buFont typeface="Arial" panose="020B0604020202020204" pitchFamily="34" charset="0"/>
+              <a:buChar char="•"/>
+            </a:pPr>
+            <a:r>
+              <a:rPr lang="en-US" altLang="zh-TW" sz="2000" dirty="0"/>
+              <a:t>1MHz I2C </a:t>
+            </a:r>
+            <a:r>
+              <a:rPr lang="en-US" altLang="zh-TW" sz="2000" dirty="0" smtClean="0"/>
+              <a:t>Interface &amp; Single-Wire </a:t>
+            </a:r>
+            <a:r>
+              <a:rPr lang="en-US" altLang="zh-TW" sz="2000" dirty="0"/>
+              <a:t>Interface</a:t>
+            </a:r>
+          </a:p>
+          <a:p>
+            <a:pPr marL="285750" indent="-285750">
+              <a:buFont typeface="Arial" panose="020B0604020202020204" pitchFamily="34" charset="0"/>
+              <a:buChar char="•"/>
+            </a:pPr>
+            <a:r>
+              <a:rPr lang="en-US" altLang="zh-TW" sz="2000" dirty="0" smtClean="0"/>
+              <a:t>Message </a:t>
+            </a:r>
+            <a:r>
+              <a:rPr lang="en-US" altLang="zh-TW" sz="2000" dirty="0"/>
+              <a:t>Security</a:t>
+            </a:r>
+          </a:p>
+          <a:p>
+            <a:pPr marL="285750" indent="-285750">
+              <a:buFont typeface="Arial" panose="020B0604020202020204" pitchFamily="34" charset="0"/>
+              <a:buChar char="•"/>
+            </a:pPr>
+            <a:r>
+              <a:rPr lang="en-US" altLang="zh-TW" sz="2000" dirty="0"/>
+              <a:t>Anti-Cloning </a:t>
+            </a:r>
           </a:p>
         </p:txBody>
       </p:sp>
     </p:spTree>
     <p:extLst>
       <p:ext uri="{BB962C8B-B14F-4D97-AF65-F5344CB8AC3E}">
-        <p14:creationId xmlns:p14="http://schemas.microsoft.com/office/powerpoint/2010/main" val="792565035"/>
+        <p14:creationId xmlns:p14="http://schemas.microsoft.com/office/powerpoint/2010/main" val="27380132"/>
       </p:ext>
     </p:extLst>
   </p:cSld>
@@ -5367,18 +5708,12 @@
         </p:nvSpPr>
         <p:spPr/>
         <p:txBody>
-          <a:bodyPr>
-            <a:normAutofit/>
-          </a:bodyPr>
-          <a:lstStyle/>
-          <a:p>
-            <a:r>
-              <a:rPr lang="en-US" altLang="zh-TW" dirty="0"/>
-              <a:t>ATSHA204 </a:t>
-            </a:r>
+          <a:bodyPr/>
+          <a:lstStyle/>
+          <a:p>
             <a:r>
               <a:rPr lang="en-US" altLang="zh-TW" dirty="0" smtClean="0"/>
-              <a:t>Features</a:t>
+              <a:t>ATSHA204 Package</a:t>
             </a:r>
             <a:endParaRPr lang="zh-TW" altLang="en-US" dirty="0"/>
           </a:p>
@@ -5403,307 +5738,6 @@
               <a:rPr lang="zh-TW" altLang="en-US" smtClean="0"/>
               <a:pPr/>
               <a:t>18</a:t>
-            </a:fld>
-            <a:endParaRPr lang="zh-TW" altLang="en-US" dirty="0"/>
-          </a:p>
-        </p:txBody>
-      </p:sp>
-      <p:sp>
-        <p:nvSpPr>
-          <p:cNvPr id="5" name="矩形 4"/>
-          <p:cNvSpPr/>
-          <p:nvPr/>
-        </p:nvSpPr>
-        <p:spPr>
-          <a:xfrm>
-            <a:off x="251520" y="1550785"/>
-            <a:ext cx="8435280" cy="4401205"/>
-          </a:xfrm>
-          <a:prstGeom prst="rect">
-            <a:avLst/>
-          </a:prstGeom>
-        </p:spPr>
-        <p:txBody>
-          <a:bodyPr wrap="square">
-            <a:spAutoFit/>
-          </a:bodyPr>
-          <a:lstStyle/>
-          <a:p>
-            <a:pPr marL="285750" indent="-285750">
-              <a:buFont typeface="Arial" panose="020B0604020202020204" pitchFamily="34" charset="0"/>
-              <a:buChar char="•"/>
-            </a:pPr>
-            <a:r>
-              <a:rPr lang="en-US" altLang="zh-TW" sz="2000" dirty="0" smtClean="0"/>
-              <a:t>Cost-effective </a:t>
-            </a:r>
-            <a:r>
-              <a:rPr lang="en-US" altLang="zh-TW" sz="2000" dirty="0"/>
-              <a:t>Symmetric Authentication </a:t>
-            </a:r>
-            <a:r>
-              <a:rPr lang="en-US" altLang="zh-TW" sz="2000" dirty="0" smtClean="0"/>
-              <a:t>Solution (Fast Authentication)</a:t>
-            </a:r>
-            <a:endParaRPr lang="en-US" altLang="zh-TW" sz="2000" dirty="0"/>
-          </a:p>
-          <a:p>
-            <a:pPr marL="285750" indent="-285750">
-              <a:buFont typeface="Arial" panose="020B0604020202020204" pitchFamily="34" charset="0"/>
-              <a:buChar char="•"/>
-            </a:pPr>
-            <a:r>
-              <a:rPr lang="en-US" altLang="zh-TW" sz="2000" dirty="0"/>
-              <a:t>Secure Symmetric Authentication Device Host and Client Operations</a:t>
-            </a:r>
-          </a:p>
-          <a:p>
-            <a:pPr marL="285750" indent="-285750">
-              <a:buFont typeface="Arial" panose="020B0604020202020204" pitchFamily="34" charset="0"/>
-              <a:buChar char="•"/>
-            </a:pPr>
-            <a:r>
-              <a:rPr lang="en-US" altLang="zh-TW" sz="2000" dirty="0" smtClean="0"/>
-              <a:t>Easy </a:t>
-            </a:r>
-            <a:r>
-              <a:rPr lang="en-US" altLang="zh-TW" sz="2000" dirty="0"/>
-              <a:t>Key Management</a:t>
-            </a:r>
-          </a:p>
-          <a:p>
-            <a:pPr marL="285750" indent="-285750">
-              <a:buFont typeface="Arial" panose="020B0604020202020204" pitchFamily="34" charset="0"/>
-              <a:buChar char="•"/>
-            </a:pPr>
-            <a:r>
-              <a:rPr lang="en-US" altLang="zh-TW" sz="2000" dirty="0"/>
-              <a:t>Crypto Element with Protected Hardware-based Key Storage</a:t>
-            </a:r>
-          </a:p>
-          <a:p>
-            <a:pPr marL="285750" indent="-285750">
-              <a:buFont typeface="Arial" panose="020B0604020202020204" pitchFamily="34" charset="0"/>
-              <a:buChar char="•"/>
-            </a:pPr>
-            <a:r>
-              <a:rPr lang="en-US" altLang="zh-TW" sz="2000" dirty="0" smtClean="0"/>
-              <a:t>Best </a:t>
-            </a:r>
-            <a:r>
-              <a:rPr lang="en-US" altLang="zh-TW" sz="2000" dirty="0"/>
-              <a:t>suited for counterfeit prevention</a:t>
-            </a:r>
-          </a:p>
-          <a:p>
-            <a:pPr marL="285750" indent="-285750">
-              <a:buFont typeface="Arial" panose="020B0604020202020204" pitchFamily="34" charset="0"/>
-              <a:buChar char="•"/>
-            </a:pPr>
-            <a:r>
-              <a:rPr lang="en-US" altLang="zh-TW" sz="2000" dirty="0" smtClean="0"/>
-              <a:t>Superior </a:t>
-            </a:r>
-            <a:r>
-              <a:rPr lang="en-US" altLang="zh-TW" sz="2000" dirty="0"/>
-              <a:t>SHA-256 Hash Algorithm with Message Authentication Code (MAC)</a:t>
-            </a:r>
-          </a:p>
-          <a:p>
-            <a:pPr marL="285750" indent="-285750">
-              <a:buFont typeface="Arial" panose="020B0604020202020204" pitchFamily="34" charset="0"/>
-              <a:buChar char="•"/>
-            </a:pPr>
-            <a:r>
-              <a:rPr lang="en-US" altLang="zh-TW" sz="2000" dirty="0" smtClean="0"/>
-              <a:t>Best-in-class</a:t>
-            </a:r>
-            <a:r>
-              <a:rPr lang="en-US" altLang="zh-TW" sz="2000" dirty="0"/>
-              <a:t>, 256-bit Key Length; Storage for Up to 16 Keys</a:t>
-            </a:r>
-          </a:p>
-          <a:p>
-            <a:pPr marL="285750" indent="-285750">
-              <a:buFont typeface="Arial" panose="020B0604020202020204" pitchFamily="34" charset="0"/>
-              <a:buChar char="•"/>
-            </a:pPr>
-            <a:r>
-              <a:rPr lang="en-US" altLang="zh-TW" sz="2000" dirty="0" smtClean="0"/>
-              <a:t>Guaranteed </a:t>
-            </a:r>
-            <a:r>
-              <a:rPr lang="en-US" altLang="zh-TW" sz="2000" dirty="0"/>
-              <a:t>Unique 72-bit Serial Number</a:t>
-            </a:r>
-          </a:p>
-          <a:p>
-            <a:pPr marL="285750" indent="-285750">
-              <a:buFont typeface="Arial" panose="020B0604020202020204" pitchFamily="34" charset="0"/>
-              <a:buChar char="•"/>
-            </a:pPr>
-            <a:r>
-              <a:rPr lang="en-US" altLang="zh-TW" sz="2000" dirty="0" smtClean="0"/>
-              <a:t>Internal</a:t>
-            </a:r>
-            <a:r>
-              <a:rPr lang="en-US" altLang="zh-TW" sz="2000" dirty="0"/>
-              <a:t>, High-quality Random Number Generator (RNG)</a:t>
-            </a:r>
-          </a:p>
-          <a:p>
-            <a:pPr marL="285750" indent="-285750">
-              <a:buFont typeface="Arial" panose="020B0604020202020204" pitchFamily="34" charset="0"/>
-              <a:buChar char="•"/>
-            </a:pPr>
-            <a:r>
-              <a:rPr lang="en-US" altLang="zh-TW" sz="2000" dirty="0" smtClean="0"/>
-              <a:t>4.5Kb </a:t>
-            </a:r>
-            <a:r>
-              <a:rPr lang="en-US" altLang="zh-TW" sz="2000" dirty="0"/>
-              <a:t>EEPROM for Keys and </a:t>
-            </a:r>
-            <a:r>
-              <a:rPr lang="en-US" altLang="zh-TW" sz="2000" dirty="0" smtClean="0"/>
-              <a:t>Data, includes 512 </a:t>
-            </a:r>
-            <a:r>
-              <a:rPr lang="en-US" altLang="zh-TW" sz="2000" dirty="0"/>
-              <a:t>bit OTP (One Time Programmable) Bits for </a:t>
-            </a:r>
-            <a:r>
-              <a:rPr lang="en-US" altLang="zh-TW" sz="2000" dirty="0" smtClean="0"/>
-              <a:t>Fixed</a:t>
-            </a:r>
-            <a:endParaRPr lang="en-US" altLang="zh-TW" sz="2000" dirty="0"/>
-          </a:p>
-          <a:p>
-            <a:pPr marL="285750" indent="-285750">
-              <a:buFont typeface="Arial" panose="020B0604020202020204" pitchFamily="34" charset="0"/>
-              <a:buChar char="•"/>
-            </a:pPr>
-            <a:r>
-              <a:rPr lang="en-US" altLang="zh-TW" sz="2000" dirty="0"/>
-              <a:t>1MHz I2C </a:t>
-            </a:r>
-            <a:r>
-              <a:rPr lang="en-US" altLang="zh-TW" sz="2000" dirty="0" smtClean="0"/>
-              <a:t>Interface &amp; Single-Wire </a:t>
-            </a:r>
-            <a:r>
-              <a:rPr lang="en-US" altLang="zh-TW" sz="2000" dirty="0"/>
-              <a:t>Interface</a:t>
-            </a:r>
-          </a:p>
-          <a:p>
-            <a:pPr marL="285750" indent="-285750">
-              <a:buFont typeface="Arial" panose="020B0604020202020204" pitchFamily="34" charset="0"/>
-              <a:buChar char="•"/>
-            </a:pPr>
-            <a:r>
-              <a:rPr lang="en-US" altLang="zh-TW" sz="2000" dirty="0" smtClean="0"/>
-              <a:t>Message </a:t>
-            </a:r>
-            <a:r>
-              <a:rPr lang="en-US" altLang="zh-TW" sz="2000" dirty="0"/>
-              <a:t>Security</a:t>
-            </a:r>
-          </a:p>
-          <a:p>
-            <a:pPr marL="285750" indent="-285750">
-              <a:buFont typeface="Arial" panose="020B0604020202020204" pitchFamily="34" charset="0"/>
-              <a:buChar char="•"/>
-            </a:pPr>
-            <a:r>
-              <a:rPr lang="en-US" altLang="zh-TW" sz="2000" dirty="0"/>
-              <a:t>Anti-Cloning </a:t>
-            </a:r>
-          </a:p>
-        </p:txBody>
-      </p:sp>
-    </p:spTree>
-    <p:extLst>
-      <p:ext uri="{BB962C8B-B14F-4D97-AF65-F5344CB8AC3E}">
-        <p14:creationId xmlns:p14="http://schemas.microsoft.com/office/powerpoint/2010/main" val="27380132"/>
-      </p:ext>
-    </p:extLst>
-  </p:cSld>
-  <p:clrMapOvr>
-    <a:masterClrMapping/>
-  </p:clrMapOvr>
-  <p:transition>
-    <p:fade thruBlk="1"/>
-  </p:transition>
-  <p:timing>
-    <p:tnLst>
-      <p:par>
-        <p:cTn id="1" dur="indefinite" restart="never" nodeType="tmRoot"/>
-      </p:par>
-    </p:tnLst>
-  </p:timing>
-</p:sld>
-</file>
-
-<file path=ppt/slides/slide19.xml><?xml version="1.0" encoding="utf-8"?>
-<p:sld xmlns:a="http://schemas.openxmlformats.org/drawingml/2006/main" xmlns:r="http://schemas.openxmlformats.org/officeDocument/2006/relationships" xmlns:p="http://schemas.openxmlformats.org/presentationml/2006/main">
-  <p:cSld>
-    <p:spTree>
-      <p:nvGrpSpPr>
-        <p:cNvPr id="1" name=""/>
-        <p:cNvGrpSpPr/>
-        <p:nvPr/>
-      </p:nvGrpSpPr>
-      <p:grpSpPr>
-        <a:xfrm>
-          <a:off x="0" y="0"/>
-          <a:ext cx="0" cy="0"/>
-          <a:chOff x="0" y="0"/>
-          <a:chExt cx="0" cy="0"/>
-        </a:xfrm>
-      </p:grpSpPr>
-      <p:sp>
-        <p:nvSpPr>
-          <p:cNvPr id="2" name="標題 1"/>
-          <p:cNvSpPr>
-            <a:spLocks noGrp="1"/>
-          </p:cNvSpPr>
-          <p:nvPr>
-            <p:ph type="title"/>
-          </p:nvPr>
-        </p:nvSpPr>
-        <p:spPr/>
-        <p:txBody>
-          <a:bodyPr/>
-          <a:lstStyle/>
-          <a:p>
-            <a:r>
-              <a:rPr lang="en-US" altLang="zh-TW" dirty="0" smtClean="0"/>
-              <a:t>ATSHA204 Package</a:t>
-            </a:r>
-            <a:endParaRPr lang="zh-TW" altLang="en-US" dirty="0"/>
-          </a:p>
-        </p:txBody>
-      </p:sp>
-      <p:sp>
-        <p:nvSpPr>
-          <p:cNvPr id="33" name="投影片編號版面配置區 32"/>
-          <p:cNvSpPr>
-            <a:spLocks noGrp="1"/>
-          </p:cNvSpPr>
-          <p:nvPr>
-            <p:ph type="sldNum" sz="quarter" idx="12"/>
-          </p:nvPr>
-        </p:nvSpPr>
-        <p:spPr/>
-        <p:txBody>
-          <a:bodyPr/>
-          <a:lstStyle/>
-          <a:p>
-            <a:fld id="{D344349B-DB66-4120-941E-C93148E8AB74}" type="slidenum">
-              <a:rPr lang="zh-TW" altLang="en-US" smtClean="0"/>
-              <a:pPr/>
-              <a:t>19</a:t>
             </a:fld>
             <a:endParaRPr lang="zh-TW" altLang="en-US" dirty="0"/>
           </a:p>
@@ -5852,7 +5886,7 @@
 </p:sld>
 </file>
 
-<file path=ppt/slides/slide2.xml><?xml version="1.0" encoding="utf-8"?>
+<file path=ppt/slides/slide19.xml><?xml version="1.0" encoding="utf-8"?>
 <p:sld xmlns:a="http://schemas.openxmlformats.org/drawingml/2006/main" xmlns:r="http://schemas.openxmlformats.org/officeDocument/2006/relationships" xmlns:p="http://schemas.openxmlformats.org/presentationml/2006/main">
   <p:cSld>
     <p:spTree>
@@ -5881,200 +5915,6 @@
         </p:nvSpPr>
         <p:spPr/>
         <p:txBody>
-          <a:bodyPr>
-            <a:normAutofit/>
-          </a:bodyPr>
-          <a:lstStyle/>
-          <a:p>
-            <a:pPr lvl="0" algn="ctr" eaLnBrk="0" hangingPunct="0">
-              <a:spcBef>
-                <a:spcPct val="20000"/>
-              </a:spcBef>
-              <a:defRPr/>
-            </a:pPr>
-            <a:r>
-              <a:rPr lang="en-US" altLang="zh-TW" dirty="0" smtClean="0"/>
-              <a:t>Secure Remote Control</a:t>
-            </a:r>
-            <a:endParaRPr lang="en-US" altLang="zh-TW" b="0" dirty="0"/>
-          </a:p>
-        </p:txBody>
-      </p:sp>
-      <p:sp>
-        <p:nvSpPr>
-          <p:cNvPr id="33" name="投影片編號版面配置區 32"/>
-          <p:cNvSpPr>
-            <a:spLocks noGrp="1"/>
-          </p:cNvSpPr>
-          <p:nvPr>
-            <p:ph type="sldNum" sz="quarter" idx="12"/>
-          </p:nvPr>
-        </p:nvSpPr>
-        <p:spPr/>
-        <p:txBody>
-          <a:bodyPr/>
-          <a:lstStyle/>
-          <a:p>
-            <a:fld id="{D344349B-DB66-4120-941E-C93148E8AB74}" type="slidenum">
-              <a:rPr lang="zh-TW" altLang="en-US" smtClean="0"/>
-              <a:pPr/>
-              <a:t>2</a:t>
-            </a:fld>
-            <a:endParaRPr lang="zh-TW" altLang="en-US" dirty="0"/>
-          </a:p>
-        </p:txBody>
-      </p:sp>
-      <p:sp>
-        <p:nvSpPr>
-          <p:cNvPr id="5" name="矩形 4"/>
-          <p:cNvSpPr/>
-          <p:nvPr/>
-        </p:nvSpPr>
-        <p:spPr>
-          <a:xfrm>
-            <a:off x="457200" y="1550785"/>
-            <a:ext cx="8229600" cy="3539430"/>
-          </a:xfrm>
-          <a:prstGeom prst="rect">
-            <a:avLst/>
-          </a:prstGeom>
-        </p:spPr>
-        <p:txBody>
-          <a:bodyPr wrap="square">
-            <a:spAutoFit/>
-          </a:bodyPr>
-          <a:lstStyle/>
-          <a:p>
-            <a:r>
-              <a:rPr lang="en-US" altLang="zh-TW" sz="3200" dirty="0" smtClean="0"/>
-              <a:t>This is an remote control project, you can refer these resources to design your own remote control system. The most of using technology is rolling code, but here I use SHA-256 and TRNG (True Random Number Generator). </a:t>
-            </a:r>
-          </a:p>
-          <a:p>
-            <a:endParaRPr lang="en-US" altLang="zh-TW" sz="3200" dirty="0"/>
-          </a:p>
-          <a:p>
-            <a:endParaRPr lang="en-US" altLang="zh-TW" sz="3200" dirty="0" smtClean="0"/>
-          </a:p>
-        </p:txBody>
-      </p:sp>
-      <p:pic>
-        <p:nvPicPr>
-          <p:cNvPr id="3" name="圖片 2"/>
-          <p:cNvPicPr>
-            <a:picLocks noChangeAspect="1"/>
-          </p:cNvPicPr>
-          <p:nvPr/>
-        </p:nvPicPr>
-        <p:blipFill>
-          <a:blip r:embed="rId3"/>
-          <a:stretch>
-            <a:fillRect/>
-          </a:stretch>
-        </p:blipFill>
-        <p:spPr>
-          <a:xfrm>
-            <a:off x="6588224" y="4365104"/>
-            <a:ext cx="2413160" cy="2017702"/>
-          </a:xfrm>
-          <a:prstGeom prst="rect">
-            <a:avLst/>
-          </a:prstGeom>
-        </p:spPr>
-      </p:pic>
-      <p:sp>
-        <p:nvSpPr>
-          <p:cNvPr id="4" name="矩形 3"/>
-          <p:cNvSpPr/>
-          <p:nvPr/>
-        </p:nvSpPr>
-        <p:spPr>
-          <a:xfrm>
-            <a:off x="457200" y="4430774"/>
-            <a:ext cx="5987008" cy="1815882"/>
-          </a:xfrm>
-          <a:prstGeom prst="rect">
-            <a:avLst/>
-          </a:prstGeom>
-        </p:spPr>
-        <p:txBody>
-          <a:bodyPr wrap="square">
-            <a:spAutoFit/>
-          </a:bodyPr>
-          <a:lstStyle/>
-          <a:p>
-            <a:r>
-              <a:rPr lang="en-US" altLang="zh-TW" sz="2800" dirty="0"/>
-              <a:t>The RF </a:t>
-            </a:r>
-            <a:r>
-              <a:rPr lang="en-US" altLang="zh-TW" sz="2800" dirty="0" smtClean="0"/>
-              <a:t>part (A9112) </a:t>
-            </a:r>
-            <a:r>
-              <a:rPr lang="en-US" altLang="zh-TW" sz="2800" dirty="0"/>
-              <a:t>is from </a:t>
-            </a:r>
-            <a:r>
-              <a:rPr lang="en-US" altLang="zh-TW" sz="2800" dirty="0" smtClean="0"/>
-              <a:t>Amiccom, support 3xx~9xxMhz and can be adjusted by SW. Modulation is FSK. Bi-direction Transceiver. </a:t>
-            </a:r>
-            <a:endParaRPr lang="en-US" altLang="zh-TW" sz="2800" dirty="0"/>
-          </a:p>
-        </p:txBody>
-      </p:sp>
-    </p:spTree>
-    <p:extLst>
-      <p:ext uri="{BB962C8B-B14F-4D97-AF65-F5344CB8AC3E}">
-        <p14:creationId xmlns:p14="http://schemas.microsoft.com/office/powerpoint/2010/main" val="807964321"/>
-      </p:ext>
-    </p:extLst>
-  </p:cSld>
-  <p:clrMapOvr>
-    <a:masterClrMapping/>
-  </p:clrMapOvr>
-  <p:transition>
-    <p:fade thruBlk="1"/>
-  </p:transition>
-  <p:timing>
-    <p:tnLst>
-      <p:par>
-        <p:cTn id="1" dur="indefinite" restart="never" nodeType="tmRoot"/>
-      </p:par>
-    </p:tnLst>
-  </p:timing>
-</p:sld>
-</file>
-
-<file path=ppt/slides/slide20.xml><?xml version="1.0" encoding="utf-8"?>
-<p:sld xmlns:a="http://schemas.openxmlformats.org/drawingml/2006/main" xmlns:r="http://schemas.openxmlformats.org/officeDocument/2006/relationships" xmlns:p="http://schemas.openxmlformats.org/presentationml/2006/main">
-  <p:cSld>
-    <p:spTree>
-      <p:nvGrpSpPr>
-        <p:cNvPr id="1" name=""/>
-        <p:cNvGrpSpPr/>
-        <p:nvPr/>
-      </p:nvGrpSpPr>
-      <p:grpSpPr>
-        <a:xfrm>
-          <a:off x="0" y="0"/>
-          <a:ext cx="0" cy="0"/>
-          <a:chOff x="0" y="0"/>
-          <a:chExt cx="0" cy="0"/>
-        </a:xfrm>
-      </p:grpSpPr>
-      <p:sp>
-        <p:nvSpPr>
-          <p:cNvPr id="2" name="標題 1"/>
-          <p:cNvSpPr>
-            <a:spLocks noGrp="1"/>
-          </p:cNvSpPr>
-          <p:nvPr>
-            <p:ph type="title"/>
-          </p:nvPr>
-        </p:nvSpPr>
-        <p:spPr/>
-        <p:txBody>
           <a:bodyPr/>
           <a:lstStyle/>
           <a:p>
@@ -6104,7 +5944,7 @@
             <a:fld id="{D344349B-DB66-4120-941E-C93148E8AB74}" type="slidenum">
               <a:rPr lang="zh-TW" altLang="en-US" smtClean="0"/>
               <a:pPr/>
-              <a:t>20</a:t>
+              <a:t>19</a:t>
             </a:fld>
             <a:endParaRPr lang="zh-TW" altLang="en-US" dirty="0"/>
           </a:p>
@@ -6157,7 +5997,7 @@
 </p:sld>
 </file>
 
-<file path=ppt/slides/slide3.xml><?xml version="1.0" encoding="utf-8"?>
+<file path=ppt/slides/slide2.xml><?xml version="1.0" encoding="utf-8"?>
 <p:sld xmlns:a="http://schemas.openxmlformats.org/drawingml/2006/main" xmlns:r="http://schemas.openxmlformats.org/officeDocument/2006/relationships" xmlns:p="http://schemas.openxmlformats.org/presentationml/2006/main">
   <p:cSld>
     <p:spTree>
@@ -6189,17 +6029,27 @@
           <a:bodyPr/>
           <a:lstStyle/>
           <a:p>
-            <a:pPr lvl="0" algn="ctr" eaLnBrk="0" hangingPunct="0">
-              <a:spcBef>
-                <a:spcPct val="20000"/>
-              </a:spcBef>
-              <a:defRPr/>
-            </a:pPr>
-            <a:r>
-              <a:rPr lang="en-US" altLang="zh-TW" dirty="0" smtClean="0"/>
-              <a:t>Resources</a:t>
-            </a:r>
-            <a:endParaRPr lang="en-US" altLang="zh-TW" b="0" dirty="0"/>
+            <a:r>
+              <a:rPr lang="zh-TW" altLang="en-US" dirty="0" smtClean="0"/>
+              <a:t>新</a:t>
+            </a:r>
+            <a:r>
+              <a:rPr lang="zh-TW" altLang="en-US" dirty="0"/>
+              <a:t>式</a:t>
+            </a:r>
+            <a:r>
+              <a:rPr lang="zh-TW" altLang="en-US" dirty="0" smtClean="0"/>
+              <a:t>（</a:t>
+            </a:r>
+            <a:r>
+              <a:rPr lang="zh-TW" altLang="en-US" dirty="0"/>
+              <a:t>強密碼</a:t>
+            </a:r>
+            <a:r>
+              <a:rPr lang="zh-TW" altLang="en-US" dirty="0" smtClean="0"/>
+              <a:t>）遙控器</a:t>
+            </a:r>
+            <a:endParaRPr lang="zh-TW" altLang="en-US" dirty="0"/>
           </a:p>
         </p:txBody>
       </p:sp>
@@ -6221,7 +6071,7 @@
             <a:fld id="{D344349B-DB66-4120-941E-C93148E8AB74}" type="slidenum">
               <a:rPr lang="zh-TW" altLang="en-US" smtClean="0"/>
               <a:pPr/>
-              <a:t>3</a:t>
+              <a:t>2</a:t>
             </a:fld>
             <a:endParaRPr lang="zh-TW" altLang="en-US" dirty="0"/>
           </a:p>
@@ -6229,14 +6079,14 @@
       </p:sp>
       <p:sp>
         <p:nvSpPr>
-          <p:cNvPr id="5" name="矩形 4"/>
+          <p:cNvPr id="13" name="矩形 12"/>
           <p:cNvSpPr/>
           <p:nvPr/>
         </p:nvSpPr>
         <p:spPr>
           <a:xfrm>
-            <a:off x="457200" y="1550785"/>
-            <a:ext cx="8229600" cy="4524315"/>
+            <a:off x="323528" y="1556792"/>
+            <a:ext cx="8363272" cy="3847207"/>
           </a:xfrm>
           <a:prstGeom prst="rect">
             <a:avLst/>
@@ -6249,222 +6099,166 @@
           <a:lstStyle/>
           <a:p>
             <a:r>
-              <a:rPr lang="en-US" altLang="zh-TW" sz="3200" dirty="0" smtClean="0"/>
-              <a:t>HW </a:t>
-            </a:r>
-            <a:r>
-              <a:rPr lang="en-US" altLang="zh-TW" sz="3200" dirty="0" smtClean="0"/>
-              <a:t>Design Files</a:t>
-            </a:r>
-            <a:endParaRPr lang="en-US" altLang="zh-TW" sz="3200" dirty="0" smtClean="0"/>
-          </a:p>
-          <a:p>
-            <a:pPr marL="800100" lvl="1" indent="-342900">
+              <a:rPr lang="zh-TW" altLang="en-US" sz="2800" dirty="0" smtClean="0"/>
+              <a:t>使用</a:t>
+            </a:r>
+            <a:r>
+              <a:rPr lang="en-US" altLang="zh-TW" sz="2800" dirty="0"/>
+              <a:t> </a:t>
+            </a:r>
+            <a:r>
+              <a:rPr lang="en-US" altLang="zh-TW" sz="2800" dirty="0" smtClean="0"/>
+              <a:t>Crypto IC </a:t>
+            </a:r>
+            <a:r>
+              <a:rPr lang="zh-TW" altLang="en-US" sz="2800" dirty="0" smtClean="0"/>
+              <a:t>的特點</a:t>
+            </a:r>
+            <a:endParaRPr lang="en-US" altLang="zh-TW" sz="2800" dirty="0" smtClean="0"/>
+          </a:p>
+          <a:p>
+            <a:pPr marL="342900" lvl="0" indent="-342900">
               <a:buFont typeface="Arial" panose="020B0604020202020204" pitchFamily="34" charset="0"/>
               <a:buChar char="•"/>
             </a:pPr>
             <a:r>
-              <a:rPr lang="en-US" altLang="zh-TW" sz="3200" dirty="0" smtClean="0"/>
-              <a:t>SCH, PCB, BOM, Datasheet </a:t>
-            </a:r>
-          </a:p>
-          <a:p>
-            <a:pPr marL="800100" lvl="1" indent="-342900">
+              <a:rPr lang="zh-TW" altLang="zh-TW" sz="2400" dirty="0"/>
+              <a:t>國際晶片大廠 </a:t>
+            </a:r>
+            <a:r>
+              <a:rPr lang="en-US" altLang="zh-TW" sz="2400" dirty="0"/>
+              <a:t>Microchip (ATMEL) </a:t>
+            </a:r>
+            <a:r>
+              <a:rPr lang="zh-TW" altLang="zh-TW" sz="2400" dirty="0"/>
+              <a:t>的品質技術保證</a:t>
+            </a:r>
+          </a:p>
+          <a:p>
+            <a:pPr marL="342900" lvl="0" indent="-342900">
               <a:buFont typeface="Arial" panose="020B0604020202020204" pitchFamily="34" charset="0"/>
               <a:buChar char="•"/>
             </a:pPr>
             <a:r>
-              <a:rPr lang="en-US" altLang="zh-TW" sz="3200" dirty="0"/>
-              <a:t>A9112 US$0.7 + ATASHA204A US$0.3</a:t>
-            </a:r>
-          </a:p>
-          <a:p>
-            <a:pPr marL="800100" lvl="1" indent="-342900">
+              <a:rPr lang="zh-TW" altLang="zh-TW" sz="2400" dirty="0"/>
+              <a:t>使用完全隨機產生動態碼加上</a:t>
+            </a:r>
+            <a:r>
+              <a:rPr lang="en-US" altLang="zh-TW" sz="2400" dirty="0"/>
+              <a:t>SHA-256</a:t>
+            </a:r>
+            <a:r>
+              <a:rPr lang="zh-TW" altLang="zh-TW" sz="2400" dirty="0"/>
+              <a:t>演算法，取代滾碼技術</a:t>
+            </a:r>
+          </a:p>
+          <a:p>
+            <a:pPr marL="342900" lvl="0" indent="-342900">
               <a:buFont typeface="Arial" panose="020B0604020202020204" pitchFamily="34" charset="0"/>
               <a:buChar char="•"/>
             </a:pPr>
-            <a:endParaRPr lang="en-US" altLang="zh-TW" sz="3200" dirty="0" smtClean="0"/>
-          </a:p>
-          <a:p>
-            <a:r>
-              <a:rPr lang="en-US" altLang="zh-TW" sz="3200" dirty="0" smtClean="0"/>
-              <a:t>YouTube</a:t>
-            </a:r>
-            <a:endParaRPr lang="en-US" altLang="zh-TW" sz="3200" dirty="0"/>
-          </a:p>
-          <a:p>
-            <a:pPr marL="800100" lvl="1" indent="-342900">
+            <a:r>
+              <a:rPr lang="zh-TW" altLang="zh-TW" sz="2400" dirty="0"/>
+              <a:t>系統安全等級及金</a:t>
+            </a:r>
+            <a:r>
+              <a:rPr lang="zh-TW" altLang="zh-TW" sz="2400" dirty="0" smtClean="0"/>
+              <a:t>鑰長度</a:t>
+            </a:r>
+            <a:r>
+              <a:rPr lang="zh-TW" altLang="zh-TW" sz="2400" dirty="0"/>
+              <a:t>均為 </a:t>
+            </a:r>
+            <a:r>
+              <a:rPr lang="en-US" altLang="zh-TW" sz="2400" dirty="0" smtClean="0"/>
+              <a:t>256</a:t>
+            </a:r>
+            <a:r>
+              <a:rPr lang="zh-TW" altLang="en-US" sz="2400" dirty="0" smtClean="0"/>
+              <a:t>位元</a:t>
+            </a:r>
+            <a:r>
+              <a:rPr lang="zh-TW" altLang="zh-TW" sz="2400" dirty="0" smtClean="0"/>
+              <a:t>，</a:t>
+            </a:r>
+            <a:r>
+              <a:rPr lang="zh-TW" altLang="zh-TW" sz="2400" dirty="0"/>
+              <a:t>遠高滾碼長度 </a:t>
+            </a:r>
+          </a:p>
+          <a:p>
+            <a:pPr marL="342900" lvl="0" indent="-342900">
               <a:buFont typeface="Arial" panose="020B0604020202020204" pitchFamily="34" charset="0"/>
               <a:buChar char="•"/>
             </a:pPr>
             <a:r>
-              <a:rPr lang="en-US" altLang="zh-TW" sz="3200" dirty="0" smtClean="0"/>
-              <a:t>Introduce video (But in Chinese)</a:t>
-            </a:r>
-            <a:endParaRPr lang="en-US" altLang="zh-TW" sz="3200" dirty="0" smtClean="0"/>
-          </a:p>
-          <a:p>
-            <a:pPr marL="800100" lvl="1" indent="-342900">
+              <a:rPr lang="zh-TW" altLang="zh-TW" sz="2400" dirty="0"/>
+              <a:t>裝置間雙向身份認證技術 </a:t>
+            </a:r>
+            <a:r>
+              <a:rPr lang="en-US" altLang="zh-TW" sz="2400" dirty="0"/>
+              <a:t> (Authentication)</a:t>
+            </a:r>
+            <a:endParaRPr lang="zh-TW" altLang="zh-TW" sz="2400" dirty="0"/>
+          </a:p>
+          <a:p>
+            <a:pPr marL="342900" lvl="0" indent="-342900">
               <a:buFont typeface="Arial" panose="020B0604020202020204" pitchFamily="34" charset="0"/>
               <a:buChar char="•"/>
             </a:pPr>
-            <a:endParaRPr lang="en-US" altLang="zh-TW" sz="3200" dirty="0"/>
-          </a:p>
-          <a:p>
-            <a:r>
-              <a:rPr lang="en-US" altLang="zh-TW" sz="3200" dirty="0" err="1" smtClean="0"/>
-              <a:t>Github</a:t>
-            </a:r>
-            <a:endParaRPr lang="en-US" altLang="zh-TW" sz="3200" dirty="0" smtClean="0"/>
-          </a:p>
-          <a:p>
-            <a:pPr marL="800100" lvl="1" indent="-342900">
+            <a:r>
+              <a:rPr lang="zh-TW" altLang="zh-TW" sz="2400" dirty="0"/>
+              <a:t>遙控器在坊間無法被複製，唯有遙控器廠商能再生產製造</a:t>
+            </a:r>
+          </a:p>
+          <a:p>
+            <a:pPr marL="342900" lvl="0" indent="-342900">
               <a:buFont typeface="Arial" panose="020B0604020202020204" pitchFamily="34" charset="0"/>
               <a:buChar char="•"/>
             </a:pPr>
             <a:r>
-              <a:rPr lang="en-US" altLang="zh-TW" sz="3200" dirty="0" smtClean="0"/>
-              <a:t>A9112 </a:t>
-            </a:r>
-            <a:r>
-              <a:rPr lang="en-US" altLang="zh-TW" sz="3200" dirty="0"/>
-              <a:t>MCU reference </a:t>
-            </a:r>
-            <a:r>
-              <a:rPr lang="en-US" altLang="zh-TW" sz="3200" dirty="0" smtClean="0"/>
-              <a:t>code (Host &amp; FOB)</a:t>
-            </a:r>
-            <a:endParaRPr lang="en-US" altLang="zh-TW" sz="3200" dirty="0"/>
-          </a:p>
-        </p:txBody>
-      </p:sp>
-      <p:pic>
-        <p:nvPicPr>
-          <p:cNvPr id="1026" name="Picture 2" descr="「checkbox」的圖片搜尋結果"/>
-          <p:cNvPicPr>
-            <a:picLocks noChangeAspect="1" noChangeArrowheads="1"/>
-          </p:cNvPicPr>
-          <p:nvPr/>
-        </p:nvPicPr>
-        <p:blipFill>
-          <a:blip r:embed="rId3" cstate="print">
-            <a:extLst>
-              <a:ext uri="{28A0092B-C50C-407E-A947-70E740481C1C}">
-                <a14:useLocalDpi xmlns:a14="http://schemas.microsoft.com/office/drawing/2010/main" val="0"/>
-              </a:ext>
-            </a:extLst>
-          </a:blip>
-          <a:srcRect/>
-          <a:stretch>
-            <a:fillRect/>
-          </a:stretch>
-        </p:blipFill>
-        <p:spPr bwMode="auto">
-          <a:xfrm>
-            <a:off x="8326758" y="1768690"/>
-            <a:ext cx="720079" cy="720079"/>
-          </a:xfrm>
-          <a:prstGeom prst="rect">
-            <a:avLst/>
-          </a:prstGeom>
-          <a:noFill/>
-          <a:extLst>
-            <a:ext uri="{909E8E84-426E-40DD-AFC4-6F175D3DCCD1}">
-              <a14:hiddenFill xmlns:a14="http://schemas.microsoft.com/office/drawing/2010/main">
-                <a:solidFill>
-                  <a:srgbClr val="FFFFFF"/>
-                </a:solidFill>
-              </a14:hiddenFill>
-            </a:ext>
-          </a:extLst>
-        </p:spPr>
-      </p:pic>
-      <p:pic>
-        <p:nvPicPr>
-          <p:cNvPr id="7" name="Picture 2" descr="「checkbox」的圖片搜尋結果"/>
-          <p:cNvPicPr>
-            <a:picLocks noChangeAspect="1" noChangeArrowheads="1"/>
-          </p:cNvPicPr>
-          <p:nvPr/>
-        </p:nvPicPr>
-        <p:blipFill>
-          <a:blip r:embed="rId3" cstate="print">
-            <a:extLst>
-              <a:ext uri="{28A0092B-C50C-407E-A947-70E740481C1C}">
-                <a14:useLocalDpi xmlns:a14="http://schemas.microsoft.com/office/drawing/2010/main" val="0"/>
-              </a:ext>
-            </a:extLst>
-          </a:blip>
-          <a:srcRect/>
-          <a:stretch>
-            <a:fillRect/>
-          </a:stretch>
-        </p:blipFill>
-        <p:spPr bwMode="auto">
-          <a:xfrm>
-            <a:off x="8326759" y="3762547"/>
-            <a:ext cx="720079" cy="720079"/>
-          </a:xfrm>
-          <a:prstGeom prst="rect">
-            <a:avLst/>
-          </a:prstGeom>
-          <a:noFill/>
-          <a:extLst>
-            <a:ext uri="{909E8E84-426E-40DD-AFC4-6F175D3DCCD1}">
-              <a14:hiddenFill xmlns:a14="http://schemas.microsoft.com/office/drawing/2010/main">
-                <a:solidFill>
-                  <a:srgbClr val="FFFFFF"/>
-                </a:solidFill>
-              </a14:hiddenFill>
-            </a:ext>
-          </a:extLst>
-        </p:spPr>
-      </p:pic>
-      <p:pic>
-        <p:nvPicPr>
-          <p:cNvPr id="8" name="Picture 2" descr="「checkbox」的圖片搜尋結果"/>
-          <p:cNvPicPr>
-            <a:picLocks noChangeAspect="1" noChangeArrowheads="1"/>
-          </p:cNvPicPr>
-          <p:nvPr/>
-        </p:nvPicPr>
-        <p:blipFill>
-          <a:blip r:embed="rId3" cstate="print">
-            <a:extLst>
-              <a:ext uri="{28A0092B-C50C-407E-A947-70E740481C1C}">
-                <a14:useLocalDpi xmlns:a14="http://schemas.microsoft.com/office/drawing/2010/main" val="0"/>
-              </a:ext>
-            </a:extLst>
-          </a:blip>
-          <a:srcRect/>
-          <a:stretch>
-            <a:fillRect/>
-          </a:stretch>
-        </p:blipFill>
-        <p:spPr bwMode="auto">
-          <a:xfrm>
-            <a:off x="8326760" y="5553757"/>
-            <a:ext cx="720079" cy="720079"/>
-          </a:xfrm>
-          <a:prstGeom prst="rect">
-            <a:avLst/>
-          </a:prstGeom>
-          <a:noFill/>
-          <a:extLst>
-            <a:ext uri="{909E8E84-426E-40DD-AFC4-6F175D3DCCD1}">
-              <a14:hiddenFill xmlns:a14="http://schemas.microsoft.com/office/drawing/2010/main">
-                <a:solidFill>
-                  <a:srgbClr val="FFFFFF"/>
-                </a:solidFill>
-              </a14:hiddenFill>
-            </a:ext>
-          </a:extLst>
-        </p:spPr>
-      </p:pic>
+              <a:rPr lang="zh-TW" altLang="zh-TW" sz="2400" dirty="0"/>
+              <a:t>沒有掉碼、需要重新配對的問題</a:t>
+            </a:r>
+          </a:p>
+          <a:p>
+            <a:pPr marL="342900" lvl="0" indent="-342900">
+              <a:buFont typeface="Arial" panose="020B0604020202020204" pitchFamily="34" charset="0"/>
+              <a:buChar char="•"/>
+              <a:defRPr/>
+            </a:pPr>
+            <a:r>
+              <a:rPr lang="zh-TW" altLang="en-US" sz="2400" dirty="0"/>
+              <a:t>線路精簡，提供</a:t>
+            </a:r>
+            <a:r>
+              <a:rPr lang="zh-TW" altLang="zh-TW" sz="2400" dirty="0"/>
+              <a:t>完整的設計參考方案</a:t>
+            </a:r>
+          </a:p>
+          <a:p>
+            <a:pPr marL="342900" indent="-342900">
+              <a:buFont typeface="Arial" panose="020B0604020202020204" pitchFamily="34" charset="0"/>
+              <a:buChar char="•"/>
+            </a:pPr>
+            <a:r>
+              <a:rPr lang="zh-TW" altLang="zh-TW" sz="2400" dirty="0"/>
+              <a:t>提昇產品安全性、產品競爭力，創造利潤</a:t>
+            </a:r>
+            <a:r>
+              <a:rPr lang="zh-TW" altLang="zh-TW" sz="2400" dirty="0" smtClean="0"/>
+              <a:t>空間</a:t>
+            </a:r>
+            <a:endParaRPr lang="en-US" altLang="zh-TW" sz="2400" dirty="0" smtClean="0">
+              <a:latin typeface="Arial" panose="020B0604020202020204" pitchFamily="34" charset="0"/>
+            </a:endParaRPr>
+          </a:p>
+        </p:txBody>
+      </p:sp>
     </p:spTree>
     <p:extLst>
       <p:ext uri="{BB962C8B-B14F-4D97-AF65-F5344CB8AC3E}">
-        <p14:creationId xmlns:p14="http://schemas.microsoft.com/office/powerpoint/2010/main" val="2593413975"/>
+        <p14:creationId xmlns:p14="http://schemas.microsoft.com/office/powerpoint/2010/main" val="656484882"/>
       </p:ext>
     </p:extLst>
   </p:cSld>
@@ -6484,7 +6278,7 @@
 </p:sld>
 </file>
 
-<file path=ppt/slides/slide4.xml><?xml version="1.0" encoding="utf-8"?>
+<file path=ppt/slides/slide3.xml><?xml version="1.0" encoding="utf-8"?>
 <p:sld xmlns:a="http://schemas.openxmlformats.org/drawingml/2006/main" xmlns:r="http://schemas.openxmlformats.org/officeDocument/2006/relationships" xmlns:p="http://schemas.openxmlformats.org/presentationml/2006/main">
   <p:cSld>
     <p:spTree>
@@ -6518,7 +6312,7 @@
           <a:p>
             <a:r>
               <a:rPr lang="en-US" altLang="zh-TW" dirty="0" smtClean="0"/>
-              <a:t>Solution Block Diagram</a:t>
+              <a:t>Block Diagram</a:t>
             </a:r>
             <a:endParaRPr lang="zh-TW" altLang="en-US" dirty="0"/>
           </a:p>
@@ -6572,9 +6366,6 @@
               </a:rPr>
               <a:t>EEPROM: Microchip 24AA16</a:t>
             </a:r>
-            <a:endParaRPr lang="en-US" altLang="zh-TW" sz="2400" dirty="0" smtClean="0">
-              <a:latin typeface="Arial" panose="020B0604020202020204" pitchFamily="34" charset="0"/>
-            </a:endParaRPr>
           </a:p>
         </p:txBody>
       </p:sp>
@@ -7256,7 +7047,7 @@
 </p:sld>
 </file>
 
-<file path=ppt/slides/slide5.xml><?xml version="1.0" encoding="utf-8"?>
+<file path=ppt/slides/slide4.xml><?xml version="1.0" encoding="utf-8"?>
 <p:sld xmlns:a="http://schemas.openxmlformats.org/drawingml/2006/main" xmlns:r="http://schemas.openxmlformats.org/officeDocument/2006/relationships" xmlns:p="http://schemas.openxmlformats.org/presentationml/2006/main">
   <p:cSld>
     <p:spTree>
@@ -7314,7 +7105,7 @@
             <a:fld id="{D344349B-DB66-4120-941E-C93148E8AB74}" type="slidenum">
               <a:rPr lang="zh-TW" altLang="en-US" smtClean="0"/>
               <a:pPr/>
-              <a:t>5</a:t>
+              <a:t>4</a:t>
             </a:fld>
             <a:endParaRPr lang="zh-TW" altLang="en-US" dirty="0"/>
           </a:p>
@@ -7553,6 +7344,428 @@
     <p:extLst>
       <p:ext uri="{BB962C8B-B14F-4D97-AF65-F5344CB8AC3E}">
         <p14:creationId xmlns:p14="http://schemas.microsoft.com/office/powerpoint/2010/main" val="714079244"/>
+      </p:ext>
+    </p:extLst>
+  </p:cSld>
+  <p:clrMapOvr>
+    <a:masterClrMapping/>
+  </p:clrMapOvr>
+  <p:transition>
+    <p:fade thruBlk="1"/>
+  </p:transition>
+  <p:timing>
+    <p:tnLst>
+      <p:par>
+        <p:cTn id="1" dur="indefinite" restart="never" nodeType="tmRoot"/>
+      </p:par>
+    </p:tnLst>
+  </p:timing>
+</p:sld>
+</file>
+
+<file path=ppt/slides/slide5.xml><?xml version="1.0" encoding="utf-8"?>
+<p:sld xmlns:a="http://schemas.openxmlformats.org/drawingml/2006/main" xmlns:r="http://schemas.openxmlformats.org/officeDocument/2006/relationships" xmlns:p="http://schemas.openxmlformats.org/presentationml/2006/main">
+  <p:cSld>
+    <p:spTree>
+      <p:nvGrpSpPr>
+        <p:cNvPr id="1" name=""/>
+        <p:cNvGrpSpPr/>
+        <p:nvPr/>
+      </p:nvGrpSpPr>
+      <p:grpSpPr>
+        <a:xfrm>
+          <a:off x="0" y="0"/>
+          <a:ext cx="0" cy="0"/>
+          <a:chOff x="0" y="0"/>
+          <a:chExt cx="0" cy="0"/>
+        </a:xfrm>
+      </p:grpSpPr>
+      <p:sp>
+        <p:nvSpPr>
+          <p:cNvPr id="2" name="標題 1"/>
+          <p:cNvSpPr>
+            <a:spLocks noGrp="1"/>
+          </p:cNvSpPr>
+          <p:nvPr>
+            <p:ph type="title"/>
+          </p:nvPr>
+        </p:nvSpPr>
+        <p:spPr/>
+        <p:txBody>
+          <a:bodyPr/>
+          <a:lstStyle/>
+          <a:p>
+            <a:r>
+              <a:rPr lang="en-US" altLang="zh-TW" dirty="0" smtClean="0"/>
+              <a:t>Crypto IC: ATSHA204</a:t>
+            </a:r>
+            <a:endParaRPr lang="zh-TW" altLang="en-US" dirty="0"/>
+          </a:p>
+        </p:txBody>
+      </p:sp>
+      <p:sp>
+        <p:nvSpPr>
+          <p:cNvPr id="33" name="投影片編號版面配置區 32"/>
+          <p:cNvSpPr>
+            <a:spLocks noGrp="1"/>
+          </p:cNvSpPr>
+          <p:nvPr>
+            <p:ph type="sldNum" sz="quarter" idx="12"/>
+          </p:nvPr>
+        </p:nvSpPr>
+        <p:spPr/>
+        <p:txBody>
+          <a:bodyPr/>
+          <a:lstStyle/>
+          <a:p>
+            <a:fld id="{D344349B-DB66-4120-941E-C93148E8AB74}" type="slidenum">
+              <a:rPr lang="zh-TW" altLang="en-US" smtClean="0"/>
+              <a:pPr/>
+              <a:t>5</a:t>
+            </a:fld>
+            <a:endParaRPr lang="zh-TW" altLang="en-US" dirty="0"/>
+          </a:p>
+        </p:txBody>
+      </p:sp>
+      <p:sp>
+        <p:nvSpPr>
+          <p:cNvPr id="10" name="圓角矩形 9"/>
+          <p:cNvSpPr/>
+          <p:nvPr/>
+        </p:nvSpPr>
+        <p:spPr>
+          <a:xfrm>
+            <a:off x="539552" y="1593094"/>
+            <a:ext cx="7992888" cy="4716226"/>
+          </a:xfrm>
+          <a:prstGeom prst="roundRect">
+            <a:avLst/>
+          </a:prstGeom>
+          <a:solidFill>
+            <a:srgbClr val="0D8BA0">
+              <a:alpha val="60000"/>
+            </a:srgbClr>
+          </a:solidFill>
+          <a:ln>
+            <a:noFill/>
+          </a:ln>
+        </p:spPr>
+        <p:style>
+          <a:lnRef idx="1">
+            <a:schemeClr val="accent3"/>
+          </a:lnRef>
+          <a:fillRef idx="2">
+            <a:schemeClr val="accent3"/>
+          </a:fillRef>
+          <a:effectRef idx="1">
+            <a:schemeClr val="accent3"/>
+          </a:effectRef>
+          <a:fontRef idx="minor">
+            <a:schemeClr val="dk1"/>
+          </a:fontRef>
+        </p:style>
+        <p:txBody>
+          <a:bodyPr wrap="square">
+            <a:noAutofit/>
+          </a:bodyPr>
+          <a:lstStyle/>
+          <a:p>
+            <a:pPr>
+              <a:defRPr/>
+            </a:pPr>
+            <a:r>
+              <a:rPr lang="en-US" altLang="zh-TW" sz="2400" b="1" dirty="0" smtClean="0">
+                <a:solidFill>
+                  <a:schemeClr val="bg1"/>
+                </a:solidFill>
+                <a:effectLst>
+                  <a:outerShdw blurRad="38100" dist="38100" dir="2700000" algn="tl">
+                    <a:srgbClr val="000000">
+                      <a:alpha val="43137"/>
+                    </a:srgbClr>
+                  </a:outerShdw>
+                </a:effectLst>
+                <a:latin typeface="微軟正黑體" pitchFamily="34" charset="-120"/>
+                <a:ea typeface="微軟正黑體" pitchFamily="34" charset="-120"/>
+              </a:rPr>
+              <a:t>We use functions on ATSHA204</a:t>
+            </a:r>
+          </a:p>
+          <a:p>
+            <a:pPr marL="342900" indent="-342900">
+              <a:buFont typeface="Arial" panose="020B0604020202020204" pitchFamily="34" charset="0"/>
+              <a:buChar char="•"/>
+              <a:defRPr/>
+            </a:pPr>
+            <a:r>
+              <a:rPr lang="en-US" altLang="zh-TW" sz="2400" b="1" dirty="0" smtClean="0">
+                <a:solidFill>
+                  <a:schemeClr val="bg1"/>
+                </a:solidFill>
+                <a:effectLst>
+                  <a:outerShdw blurRad="38100" dist="38100" dir="2700000" algn="tl">
+                    <a:srgbClr val="000000">
+                      <a:alpha val="43137"/>
+                    </a:srgbClr>
+                  </a:outerShdw>
+                </a:effectLst>
+                <a:latin typeface="微軟正黑體" pitchFamily="34" charset="-120"/>
+                <a:ea typeface="微軟正黑體" pitchFamily="34" charset="-120"/>
+              </a:rPr>
+              <a:t>Device Unique Serial Number 72bits</a:t>
+            </a:r>
+          </a:p>
+          <a:p>
+            <a:pPr marL="342900" indent="-342900">
+              <a:buFont typeface="Arial" panose="020B0604020202020204" pitchFamily="34" charset="0"/>
+              <a:buChar char="•"/>
+              <a:defRPr/>
+            </a:pPr>
+            <a:r>
+              <a:rPr lang="en-US" altLang="zh-TW" sz="2400" b="1" dirty="0" smtClean="0">
+                <a:solidFill>
+                  <a:schemeClr val="bg1"/>
+                </a:solidFill>
+                <a:effectLst>
+                  <a:outerShdw blurRad="38100" dist="38100" dir="2700000" algn="tl">
+                    <a:srgbClr val="000000">
+                      <a:alpha val="43137"/>
+                    </a:srgbClr>
+                  </a:outerShdw>
+                </a:effectLst>
+                <a:latin typeface="微軟正黑體" pitchFamily="34" charset="-120"/>
+                <a:ea typeface="微軟正黑體" pitchFamily="34" charset="-120"/>
+              </a:rPr>
+              <a:t>Key Slot for Customer or Product KEY</a:t>
+            </a:r>
+          </a:p>
+          <a:p>
+            <a:pPr marL="342900" indent="-342900">
+              <a:buFont typeface="Arial" panose="020B0604020202020204" pitchFamily="34" charset="0"/>
+              <a:buChar char="•"/>
+              <a:defRPr/>
+            </a:pPr>
+            <a:r>
+              <a:rPr lang="en-US" altLang="zh-TW" sz="2400" b="1" dirty="0" smtClean="0">
+                <a:solidFill>
+                  <a:schemeClr val="bg1"/>
+                </a:solidFill>
+                <a:effectLst>
+                  <a:outerShdw blurRad="38100" dist="38100" dir="2700000" algn="tl">
+                    <a:srgbClr val="000000">
+                      <a:alpha val="43137"/>
+                    </a:srgbClr>
+                  </a:outerShdw>
+                </a:effectLst>
+                <a:latin typeface="微軟正黑體" pitchFamily="34" charset="-120"/>
+                <a:ea typeface="微軟正黑體" pitchFamily="34" charset="-120"/>
+              </a:rPr>
+              <a:t>32Bytes Random Number Generator (TRNG)</a:t>
+            </a:r>
+          </a:p>
+          <a:p>
+            <a:pPr marL="342900" indent="-342900">
+              <a:buFont typeface="Arial" panose="020B0604020202020204" pitchFamily="34" charset="0"/>
+              <a:buChar char="•"/>
+              <a:defRPr/>
+            </a:pPr>
+            <a:r>
+              <a:rPr lang="en-US" altLang="zh-TW" sz="2400" b="1" dirty="0" smtClean="0">
+                <a:solidFill>
+                  <a:schemeClr val="bg1"/>
+                </a:solidFill>
+                <a:effectLst>
+                  <a:outerShdw blurRad="38100" dist="38100" dir="2700000" algn="tl">
+                    <a:srgbClr val="000000">
+                      <a:alpha val="43137"/>
+                    </a:srgbClr>
+                  </a:outerShdw>
+                </a:effectLst>
+                <a:latin typeface="微軟正黑體" pitchFamily="34" charset="-120"/>
+                <a:ea typeface="微軟正黑體" pitchFamily="34" charset="-120"/>
+              </a:rPr>
+              <a:t>Standard SHA-256 Engine</a:t>
+            </a:r>
+          </a:p>
+          <a:p>
+            <a:pPr marL="342900" indent="-342900">
+              <a:buFont typeface="Arial" panose="020B0604020202020204" pitchFamily="34" charset="0"/>
+              <a:buChar char="•"/>
+              <a:defRPr/>
+            </a:pPr>
+            <a:endParaRPr lang="en-US" altLang="zh-TW" sz="2400" b="1" dirty="0">
+              <a:solidFill>
+                <a:schemeClr val="bg1"/>
+              </a:solidFill>
+              <a:effectLst>
+                <a:outerShdw blurRad="38100" dist="38100" dir="2700000" algn="tl">
+                  <a:srgbClr val="000000">
+                    <a:alpha val="43137"/>
+                  </a:srgbClr>
+                </a:outerShdw>
+              </a:effectLst>
+              <a:latin typeface="微軟正黑體" pitchFamily="34" charset="-120"/>
+              <a:ea typeface="微軟正黑體" pitchFamily="34" charset="-120"/>
+            </a:endParaRPr>
+          </a:p>
+          <a:p>
+            <a:pPr>
+              <a:defRPr/>
+            </a:pPr>
+            <a:r>
+              <a:rPr lang="en-US" altLang="zh-TW" sz="2400" b="1" dirty="0" smtClean="0">
+                <a:solidFill>
+                  <a:schemeClr val="bg1"/>
+                </a:solidFill>
+                <a:effectLst>
+                  <a:outerShdw blurRad="38100" dist="38100" dir="2700000" algn="tl">
+                    <a:srgbClr val="000000">
+                      <a:alpha val="43137"/>
+                    </a:srgbClr>
+                  </a:outerShdw>
+                </a:effectLst>
+                <a:latin typeface="微軟正黑體" pitchFamily="34" charset="-120"/>
+                <a:ea typeface="微軟正黑體" pitchFamily="34" charset="-120"/>
+              </a:rPr>
+              <a:t>Why ATSHA204A</a:t>
+            </a:r>
+          </a:p>
+          <a:p>
+            <a:pPr marL="342900" indent="-342900">
+              <a:buFont typeface="Arial" panose="020B0604020202020204" pitchFamily="34" charset="0"/>
+              <a:buChar char="•"/>
+              <a:defRPr/>
+            </a:pPr>
+            <a:r>
+              <a:rPr lang="en-US" altLang="zh-TW" sz="2400" b="1" dirty="0" smtClean="0">
+                <a:solidFill>
+                  <a:schemeClr val="bg1"/>
+                </a:solidFill>
+                <a:effectLst>
+                  <a:outerShdw blurRad="38100" dist="38100" dir="2700000" algn="tl">
+                    <a:srgbClr val="000000">
+                      <a:alpha val="43137"/>
+                    </a:srgbClr>
+                  </a:outerShdw>
+                </a:effectLst>
+                <a:latin typeface="微軟正黑體" pitchFamily="34" charset="-120"/>
+                <a:ea typeface="微軟正黑體" pitchFamily="34" charset="-120"/>
+              </a:rPr>
+              <a:t>The Unique SN is different with other FOBs</a:t>
+            </a:r>
+          </a:p>
+          <a:p>
+            <a:pPr marL="342900" indent="-342900">
+              <a:buFont typeface="Arial" panose="020B0604020202020204" pitchFamily="34" charset="0"/>
+              <a:buChar char="•"/>
+              <a:defRPr/>
+            </a:pPr>
+            <a:r>
+              <a:rPr lang="en-US" altLang="zh-TW" sz="2400" b="1" dirty="0" smtClean="0">
+                <a:solidFill>
+                  <a:schemeClr val="bg1"/>
+                </a:solidFill>
+                <a:effectLst>
+                  <a:outerShdw blurRad="38100" dist="38100" dir="2700000" algn="tl">
+                    <a:srgbClr val="000000">
+                      <a:alpha val="43137"/>
+                    </a:srgbClr>
+                  </a:outerShdw>
+                </a:effectLst>
+                <a:latin typeface="微軟正黑體" pitchFamily="34" charset="-120"/>
+                <a:ea typeface="微軟正黑體" pitchFamily="34" charset="-120"/>
+              </a:rPr>
+              <a:t>The secret Key in ATSHA204A can’t be copied</a:t>
+            </a:r>
+          </a:p>
+          <a:p>
+            <a:pPr marL="342900" indent="-342900">
+              <a:buFont typeface="Arial" panose="020B0604020202020204" pitchFamily="34" charset="0"/>
+              <a:buChar char="•"/>
+              <a:defRPr/>
+            </a:pPr>
+            <a:r>
+              <a:rPr lang="en-US" altLang="zh-TW" sz="2400" b="1" dirty="0" smtClean="0">
+                <a:solidFill>
+                  <a:schemeClr val="bg1"/>
+                </a:solidFill>
+                <a:effectLst>
+                  <a:outerShdw blurRad="38100" dist="38100" dir="2700000" algn="tl">
+                    <a:srgbClr val="000000">
+                      <a:alpha val="43137"/>
+                    </a:srgbClr>
+                  </a:outerShdw>
+                </a:effectLst>
+                <a:latin typeface="微軟正黑體" pitchFamily="34" charset="-120"/>
+                <a:ea typeface="微軟正黑體" pitchFamily="34" charset="-120"/>
+              </a:rPr>
+              <a:t>The ATSHA204A can </a:t>
+            </a:r>
+            <a:r>
+              <a:rPr lang="en-US" altLang="zh-TW" sz="2400" b="1" dirty="0">
+                <a:solidFill>
+                  <a:schemeClr val="bg1"/>
+                </a:solidFill>
+                <a:effectLst>
+                  <a:outerShdw blurRad="38100" dist="38100" dir="2700000" algn="tl">
+                    <a:srgbClr val="000000">
+                      <a:alpha val="43137"/>
+                    </a:srgbClr>
+                  </a:outerShdw>
+                </a:effectLst>
+                <a:latin typeface="微軟正黑體" pitchFamily="34" charset="-120"/>
+                <a:ea typeface="微軟正黑體" pitchFamily="34" charset="-120"/>
+              </a:rPr>
+              <a:t>avoid reverse </a:t>
+            </a:r>
+            <a:r>
+              <a:rPr lang="en-US" altLang="zh-TW" sz="2400" b="1" dirty="0" smtClean="0">
+                <a:solidFill>
+                  <a:schemeClr val="bg1"/>
+                </a:solidFill>
+                <a:effectLst>
+                  <a:outerShdw blurRad="38100" dist="38100" dir="2700000" algn="tl">
+                    <a:srgbClr val="000000">
+                      <a:alpha val="43137"/>
+                    </a:srgbClr>
+                  </a:outerShdw>
+                </a:effectLst>
+                <a:latin typeface="微軟正黑體" pitchFamily="34" charset="-120"/>
+                <a:ea typeface="微軟正黑體" pitchFamily="34" charset="-120"/>
+              </a:rPr>
+              <a:t>engineering</a:t>
+            </a:r>
+          </a:p>
+          <a:p>
+            <a:pPr marL="342900" indent="-342900">
+              <a:buFont typeface="Arial" panose="020B0604020202020204" pitchFamily="34" charset="0"/>
+              <a:buChar char="•"/>
+              <a:defRPr/>
+            </a:pPr>
+            <a:r>
+              <a:rPr lang="en-US" altLang="zh-TW" sz="2400" b="1" dirty="0" smtClean="0">
+                <a:solidFill>
+                  <a:schemeClr val="bg1"/>
+                </a:solidFill>
+                <a:effectLst>
+                  <a:outerShdw blurRad="38100" dist="38100" dir="2700000" algn="tl">
+                    <a:srgbClr val="000000">
+                      <a:alpha val="43137"/>
+                    </a:srgbClr>
+                  </a:outerShdw>
+                </a:effectLst>
+                <a:latin typeface="微軟正黑體" pitchFamily="34" charset="-120"/>
+                <a:ea typeface="微軟正黑體" pitchFamily="34" charset="-120"/>
+              </a:rPr>
+              <a:t>High-quality Random Number Generator </a:t>
+            </a:r>
+          </a:p>
+        </p:txBody>
+      </p:sp>
+    </p:spTree>
+    <p:extLst>
+      <p:ext uri="{BB962C8B-B14F-4D97-AF65-F5344CB8AC3E}">
+        <p14:creationId xmlns:p14="http://schemas.microsoft.com/office/powerpoint/2010/main" val="3299881384"/>
       </p:ext>
     </p:extLst>
   </p:cSld>
@@ -7605,24 +7818,8 @@
           <a:lstStyle/>
           <a:p>
             <a:r>
-              <a:rPr lang="zh-TW" altLang="en-US" dirty="0" smtClean="0"/>
-              <a:t>新</a:t>
-            </a:r>
-            <a:r>
-              <a:rPr lang="zh-TW" altLang="en-US" dirty="0"/>
-              <a:t>式</a:t>
-            </a:r>
-            <a:r>
-              <a:rPr lang="zh-TW" altLang="en-US" dirty="0" smtClean="0"/>
-              <a:t>（</a:t>
-            </a:r>
-            <a:r>
-              <a:rPr lang="zh-TW" altLang="en-US" dirty="0"/>
-              <a:t>強密碼</a:t>
-            </a:r>
-            <a:r>
-              <a:rPr lang="zh-TW" altLang="en-US" dirty="0" smtClean="0"/>
-              <a:t>）遙控器</a:t>
+              <a:rPr lang="en-US" altLang="zh-TW" dirty="0" smtClean="0"/>
+              <a:t>Handshaking</a:t>
             </a:r>
             <a:endParaRPr lang="zh-TW" altLang="en-US" dirty="0"/>
           </a:p>
@@ -7647,693 +7844,6 @@
               <a:rPr lang="zh-TW" altLang="en-US" smtClean="0"/>
               <a:pPr/>
               <a:t>6</a:t>
-            </a:fld>
-            <a:endParaRPr lang="zh-TW" altLang="en-US" dirty="0"/>
-          </a:p>
-        </p:txBody>
-      </p:sp>
-      <p:sp>
-        <p:nvSpPr>
-          <p:cNvPr id="13" name="矩形 12"/>
-          <p:cNvSpPr/>
-          <p:nvPr/>
-        </p:nvSpPr>
-        <p:spPr>
-          <a:xfrm>
-            <a:off x="323528" y="1556792"/>
-            <a:ext cx="8363272" cy="3847207"/>
-          </a:xfrm>
-          <a:prstGeom prst="rect">
-            <a:avLst/>
-          </a:prstGeom>
-        </p:spPr>
-        <p:txBody>
-          <a:bodyPr wrap="square">
-            <a:spAutoFit/>
-          </a:bodyPr>
-          <a:lstStyle/>
-          <a:p>
-            <a:r>
-              <a:rPr lang="zh-TW" altLang="en-US" sz="2800" dirty="0" smtClean="0"/>
-              <a:t>使用</a:t>
-            </a:r>
-            <a:r>
-              <a:rPr lang="en-US" altLang="zh-TW" sz="2800" dirty="0"/>
-              <a:t> </a:t>
-            </a:r>
-            <a:r>
-              <a:rPr lang="en-US" altLang="zh-TW" sz="2800" dirty="0" smtClean="0"/>
-              <a:t>Crypto IC </a:t>
-            </a:r>
-            <a:r>
-              <a:rPr lang="zh-TW" altLang="en-US" sz="2800" dirty="0" smtClean="0"/>
-              <a:t>的特點</a:t>
-            </a:r>
-            <a:endParaRPr lang="en-US" altLang="zh-TW" sz="2800" dirty="0" smtClean="0"/>
-          </a:p>
-          <a:p>
-            <a:pPr marL="342900" lvl="0" indent="-342900">
-              <a:buFont typeface="Arial" panose="020B0604020202020204" pitchFamily="34" charset="0"/>
-              <a:buChar char="•"/>
-            </a:pPr>
-            <a:r>
-              <a:rPr lang="zh-TW" altLang="zh-TW" sz="2400" dirty="0"/>
-              <a:t>國際晶片大廠 </a:t>
-            </a:r>
-            <a:r>
-              <a:rPr lang="en-US" altLang="zh-TW" sz="2400" dirty="0"/>
-              <a:t>Microchip (ATMEL) </a:t>
-            </a:r>
-            <a:r>
-              <a:rPr lang="zh-TW" altLang="zh-TW" sz="2400" dirty="0"/>
-              <a:t>的品質技術保證</a:t>
-            </a:r>
-          </a:p>
-          <a:p>
-            <a:pPr marL="342900" lvl="0" indent="-342900">
-              <a:buFont typeface="Arial" panose="020B0604020202020204" pitchFamily="34" charset="0"/>
-              <a:buChar char="•"/>
-            </a:pPr>
-            <a:r>
-              <a:rPr lang="zh-TW" altLang="zh-TW" sz="2400" dirty="0"/>
-              <a:t>使用完全隨機產生動態碼加上</a:t>
-            </a:r>
-            <a:r>
-              <a:rPr lang="en-US" altLang="zh-TW" sz="2400" dirty="0"/>
-              <a:t>SHA-256</a:t>
-            </a:r>
-            <a:r>
-              <a:rPr lang="zh-TW" altLang="zh-TW" sz="2400" dirty="0"/>
-              <a:t>演算法，取代滾碼技術</a:t>
-            </a:r>
-          </a:p>
-          <a:p>
-            <a:pPr marL="342900" lvl="0" indent="-342900">
-              <a:buFont typeface="Arial" panose="020B0604020202020204" pitchFamily="34" charset="0"/>
-              <a:buChar char="•"/>
-            </a:pPr>
-            <a:r>
-              <a:rPr lang="zh-TW" altLang="zh-TW" sz="2400" dirty="0"/>
-              <a:t>系統安全等級及金</a:t>
-            </a:r>
-            <a:r>
-              <a:rPr lang="zh-TW" altLang="zh-TW" sz="2400" dirty="0" smtClean="0"/>
-              <a:t>鑰長度</a:t>
-            </a:r>
-            <a:r>
-              <a:rPr lang="zh-TW" altLang="zh-TW" sz="2400" dirty="0"/>
-              <a:t>均為 </a:t>
-            </a:r>
-            <a:r>
-              <a:rPr lang="en-US" altLang="zh-TW" sz="2400" dirty="0" smtClean="0"/>
-              <a:t>256</a:t>
-            </a:r>
-            <a:r>
-              <a:rPr lang="zh-TW" altLang="en-US" sz="2400" dirty="0" smtClean="0"/>
-              <a:t>位元</a:t>
-            </a:r>
-            <a:r>
-              <a:rPr lang="zh-TW" altLang="zh-TW" sz="2400" dirty="0" smtClean="0"/>
-              <a:t>，</a:t>
-            </a:r>
-            <a:r>
-              <a:rPr lang="zh-TW" altLang="zh-TW" sz="2400" dirty="0"/>
-              <a:t>遠高滾碼長度 </a:t>
-            </a:r>
-          </a:p>
-          <a:p>
-            <a:pPr marL="342900" lvl="0" indent="-342900">
-              <a:buFont typeface="Arial" panose="020B0604020202020204" pitchFamily="34" charset="0"/>
-              <a:buChar char="•"/>
-            </a:pPr>
-            <a:r>
-              <a:rPr lang="zh-TW" altLang="zh-TW" sz="2400" dirty="0"/>
-              <a:t>裝置間雙向身份認證技術 </a:t>
-            </a:r>
-            <a:r>
-              <a:rPr lang="en-US" altLang="zh-TW" sz="2400" dirty="0"/>
-              <a:t> (Authentication)</a:t>
-            </a:r>
-            <a:endParaRPr lang="zh-TW" altLang="zh-TW" sz="2400" dirty="0"/>
-          </a:p>
-          <a:p>
-            <a:pPr marL="342900" lvl="0" indent="-342900">
-              <a:buFont typeface="Arial" panose="020B0604020202020204" pitchFamily="34" charset="0"/>
-              <a:buChar char="•"/>
-            </a:pPr>
-            <a:r>
-              <a:rPr lang="zh-TW" altLang="zh-TW" sz="2400" dirty="0"/>
-              <a:t>遙控器在坊間無法被複製，唯有遙控器廠商能再生產製造</a:t>
-            </a:r>
-          </a:p>
-          <a:p>
-            <a:pPr marL="342900" lvl="0" indent="-342900">
-              <a:buFont typeface="Arial" panose="020B0604020202020204" pitchFamily="34" charset="0"/>
-              <a:buChar char="•"/>
-            </a:pPr>
-            <a:r>
-              <a:rPr lang="zh-TW" altLang="zh-TW" sz="2400" dirty="0"/>
-              <a:t>沒有掉碼、需要重新配對的問題</a:t>
-            </a:r>
-          </a:p>
-          <a:p>
-            <a:pPr marL="342900" lvl="0" indent="-342900">
-              <a:buFont typeface="Arial" panose="020B0604020202020204" pitchFamily="34" charset="0"/>
-              <a:buChar char="•"/>
-              <a:defRPr/>
-            </a:pPr>
-            <a:r>
-              <a:rPr lang="zh-TW" altLang="en-US" sz="2400" dirty="0"/>
-              <a:t>線路精簡，提供</a:t>
-            </a:r>
-            <a:r>
-              <a:rPr lang="zh-TW" altLang="zh-TW" sz="2400" dirty="0"/>
-              <a:t>完整的設計參考方案</a:t>
-            </a:r>
-          </a:p>
-          <a:p>
-            <a:pPr marL="342900" indent="-342900">
-              <a:buFont typeface="Arial" panose="020B0604020202020204" pitchFamily="34" charset="0"/>
-              <a:buChar char="•"/>
-            </a:pPr>
-            <a:r>
-              <a:rPr lang="zh-TW" altLang="zh-TW" sz="2400" dirty="0"/>
-              <a:t>提昇產品安全性、產品競爭力，創造利潤</a:t>
-            </a:r>
-            <a:r>
-              <a:rPr lang="zh-TW" altLang="zh-TW" sz="2400" dirty="0" smtClean="0"/>
-              <a:t>空間</a:t>
-            </a:r>
-            <a:endParaRPr lang="en-US" altLang="zh-TW" sz="2400" dirty="0" smtClean="0">
-              <a:latin typeface="Arial" panose="020B0604020202020204" pitchFamily="34" charset="0"/>
-            </a:endParaRPr>
-          </a:p>
-        </p:txBody>
-      </p:sp>
-    </p:spTree>
-    <p:extLst>
-      <p:ext uri="{BB962C8B-B14F-4D97-AF65-F5344CB8AC3E}">
-        <p14:creationId xmlns:p14="http://schemas.microsoft.com/office/powerpoint/2010/main" val="656484882"/>
-      </p:ext>
-    </p:extLst>
-  </p:cSld>
-  <p:clrMapOvr>
-    <a:masterClrMapping/>
-  </p:clrMapOvr>
-  <p:transition>
-    <p:fade thruBlk="1"/>
-  </p:transition>
-  <p:timing>
-    <p:tnLst>
-      <p:par>
-        <p:cTn id="1" dur="indefinite" restart="never" nodeType="tmRoot"/>
-      </p:par>
-    </p:tnLst>
-  </p:timing>
-</p:sld>
-</file>
-
-<file path=ppt/slides/slide7.xml><?xml version="1.0" encoding="utf-8"?>
-<p:sld xmlns:a="http://schemas.openxmlformats.org/drawingml/2006/main" xmlns:r="http://schemas.openxmlformats.org/officeDocument/2006/relationships" xmlns:p="http://schemas.openxmlformats.org/presentationml/2006/main">
-  <p:cSld>
-    <p:spTree>
-      <p:nvGrpSpPr>
-        <p:cNvPr id="1" name=""/>
-        <p:cNvGrpSpPr/>
-        <p:nvPr/>
-      </p:nvGrpSpPr>
-      <p:grpSpPr>
-        <a:xfrm>
-          <a:off x="0" y="0"/>
-          <a:ext cx="0" cy="0"/>
-          <a:chOff x="0" y="0"/>
-          <a:chExt cx="0" cy="0"/>
-        </a:xfrm>
-      </p:grpSpPr>
-      <p:sp>
-        <p:nvSpPr>
-          <p:cNvPr id="2" name="標題 1"/>
-          <p:cNvSpPr>
-            <a:spLocks noGrp="1"/>
-          </p:cNvSpPr>
-          <p:nvPr>
-            <p:ph type="title"/>
-          </p:nvPr>
-        </p:nvSpPr>
-        <p:spPr/>
-        <p:txBody>
-          <a:bodyPr/>
-          <a:lstStyle/>
-          <a:p>
-            <a:r>
-              <a:rPr lang="en-US" altLang="zh-TW" dirty="0" smtClean="0"/>
-              <a:t>Crypto IC: ATSHA204</a:t>
-            </a:r>
-            <a:endParaRPr lang="zh-TW" altLang="en-US" dirty="0"/>
-          </a:p>
-        </p:txBody>
-      </p:sp>
-      <p:sp>
-        <p:nvSpPr>
-          <p:cNvPr id="33" name="投影片編號版面配置區 32"/>
-          <p:cNvSpPr>
-            <a:spLocks noGrp="1"/>
-          </p:cNvSpPr>
-          <p:nvPr>
-            <p:ph type="sldNum" sz="quarter" idx="12"/>
-          </p:nvPr>
-        </p:nvSpPr>
-        <p:spPr/>
-        <p:txBody>
-          <a:bodyPr/>
-          <a:lstStyle/>
-          <a:p>
-            <a:fld id="{D344349B-DB66-4120-941E-C93148E8AB74}" type="slidenum">
-              <a:rPr lang="zh-TW" altLang="en-US" smtClean="0"/>
-              <a:pPr/>
-              <a:t>7</a:t>
-            </a:fld>
-            <a:endParaRPr lang="zh-TW" altLang="en-US" dirty="0"/>
-          </a:p>
-        </p:txBody>
-      </p:sp>
-      <p:sp>
-        <p:nvSpPr>
-          <p:cNvPr id="10" name="圓角矩形 9"/>
-          <p:cNvSpPr/>
-          <p:nvPr/>
-        </p:nvSpPr>
-        <p:spPr>
-          <a:xfrm>
-            <a:off x="539552" y="1593094"/>
-            <a:ext cx="7992888" cy="4716226"/>
-          </a:xfrm>
-          <a:prstGeom prst="roundRect">
-            <a:avLst/>
-          </a:prstGeom>
-          <a:solidFill>
-            <a:srgbClr val="0D8BA0">
-              <a:alpha val="60000"/>
-            </a:srgbClr>
-          </a:solidFill>
-          <a:ln>
-            <a:noFill/>
-          </a:ln>
-        </p:spPr>
-        <p:style>
-          <a:lnRef idx="1">
-            <a:schemeClr val="accent3"/>
-          </a:lnRef>
-          <a:fillRef idx="2">
-            <a:schemeClr val="accent3"/>
-          </a:fillRef>
-          <a:effectRef idx="1">
-            <a:schemeClr val="accent3"/>
-          </a:effectRef>
-          <a:fontRef idx="minor">
-            <a:schemeClr val="dk1"/>
-          </a:fontRef>
-        </p:style>
-        <p:txBody>
-          <a:bodyPr wrap="square">
-            <a:noAutofit/>
-          </a:bodyPr>
-          <a:lstStyle/>
-          <a:p>
-            <a:pPr>
-              <a:defRPr/>
-            </a:pPr>
-            <a:r>
-              <a:rPr lang="en-US" altLang="zh-TW" sz="2400" b="1" dirty="0" smtClean="0">
-                <a:solidFill>
-                  <a:schemeClr val="bg1"/>
-                </a:solidFill>
-                <a:effectLst>
-                  <a:outerShdw blurRad="38100" dist="38100" dir="2700000" algn="tl">
-                    <a:srgbClr val="000000">
-                      <a:alpha val="43137"/>
-                    </a:srgbClr>
-                  </a:outerShdw>
-                </a:effectLst>
-                <a:latin typeface="微軟正黑體" pitchFamily="34" charset="-120"/>
-                <a:ea typeface="微軟正黑體" pitchFamily="34" charset="-120"/>
-              </a:rPr>
-              <a:t>We use functions on ATSHA204</a:t>
-            </a:r>
-          </a:p>
-          <a:p>
-            <a:pPr marL="342900" indent="-342900">
-              <a:buFont typeface="Arial" panose="020B0604020202020204" pitchFamily="34" charset="0"/>
-              <a:buChar char="•"/>
-              <a:defRPr/>
-            </a:pPr>
-            <a:r>
-              <a:rPr lang="en-US" altLang="zh-TW" sz="2400" b="1" dirty="0" smtClean="0">
-                <a:solidFill>
-                  <a:schemeClr val="bg1"/>
-                </a:solidFill>
-                <a:effectLst>
-                  <a:outerShdw blurRad="38100" dist="38100" dir="2700000" algn="tl">
-                    <a:srgbClr val="000000">
-                      <a:alpha val="43137"/>
-                    </a:srgbClr>
-                  </a:outerShdw>
-                </a:effectLst>
-                <a:latin typeface="微軟正黑體" pitchFamily="34" charset="-120"/>
-                <a:ea typeface="微軟正黑體" pitchFamily="34" charset="-120"/>
-              </a:rPr>
-              <a:t>Device Unique Serial Number 72bits</a:t>
-            </a:r>
-          </a:p>
-          <a:p>
-            <a:pPr marL="342900" indent="-342900">
-              <a:buFont typeface="Arial" panose="020B0604020202020204" pitchFamily="34" charset="0"/>
-              <a:buChar char="•"/>
-              <a:defRPr/>
-            </a:pPr>
-            <a:r>
-              <a:rPr lang="en-US" altLang="zh-TW" sz="2400" b="1" dirty="0" smtClean="0">
-                <a:solidFill>
-                  <a:schemeClr val="bg1"/>
-                </a:solidFill>
-                <a:effectLst>
-                  <a:outerShdw blurRad="38100" dist="38100" dir="2700000" algn="tl">
-                    <a:srgbClr val="000000">
-                      <a:alpha val="43137"/>
-                    </a:srgbClr>
-                  </a:outerShdw>
-                </a:effectLst>
-                <a:latin typeface="微軟正黑體" pitchFamily="34" charset="-120"/>
-                <a:ea typeface="微軟正黑體" pitchFamily="34" charset="-120"/>
-              </a:rPr>
-              <a:t>Key Slot for Customer or Product KEY</a:t>
-            </a:r>
-          </a:p>
-          <a:p>
-            <a:pPr marL="342900" indent="-342900">
-              <a:buFont typeface="Arial" panose="020B0604020202020204" pitchFamily="34" charset="0"/>
-              <a:buChar char="•"/>
-              <a:defRPr/>
-            </a:pPr>
-            <a:r>
-              <a:rPr lang="en-US" altLang="zh-TW" sz="2400" b="1" dirty="0" smtClean="0">
-                <a:solidFill>
-                  <a:schemeClr val="bg1"/>
-                </a:solidFill>
-                <a:effectLst>
-                  <a:outerShdw blurRad="38100" dist="38100" dir="2700000" algn="tl">
-                    <a:srgbClr val="000000">
-                      <a:alpha val="43137"/>
-                    </a:srgbClr>
-                  </a:outerShdw>
-                </a:effectLst>
-                <a:latin typeface="微軟正黑體" pitchFamily="34" charset="-120"/>
-                <a:ea typeface="微軟正黑體" pitchFamily="34" charset="-120"/>
-              </a:rPr>
-              <a:t>32Bytes Random Number Generator (TRNG)</a:t>
-            </a:r>
-          </a:p>
-          <a:p>
-            <a:pPr marL="342900" indent="-342900">
-              <a:buFont typeface="Arial" panose="020B0604020202020204" pitchFamily="34" charset="0"/>
-              <a:buChar char="•"/>
-              <a:defRPr/>
-            </a:pPr>
-            <a:r>
-              <a:rPr lang="en-US" altLang="zh-TW" sz="2400" b="1" dirty="0" smtClean="0">
-                <a:solidFill>
-                  <a:schemeClr val="bg1"/>
-                </a:solidFill>
-                <a:effectLst>
-                  <a:outerShdw blurRad="38100" dist="38100" dir="2700000" algn="tl">
-                    <a:srgbClr val="000000">
-                      <a:alpha val="43137"/>
-                    </a:srgbClr>
-                  </a:outerShdw>
-                </a:effectLst>
-                <a:latin typeface="微軟正黑體" pitchFamily="34" charset="-120"/>
-                <a:ea typeface="微軟正黑體" pitchFamily="34" charset="-120"/>
-              </a:rPr>
-              <a:t>Standard SHA-256 Engine</a:t>
-            </a:r>
-          </a:p>
-          <a:p>
-            <a:pPr marL="342900" indent="-342900">
-              <a:buFont typeface="Arial" panose="020B0604020202020204" pitchFamily="34" charset="0"/>
-              <a:buChar char="•"/>
-              <a:defRPr/>
-            </a:pPr>
-            <a:endParaRPr lang="en-US" altLang="zh-TW" sz="2400" b="1" dirty="0">
-              <a:solidFill>
-                <a:schemeClr val="bg1"/>
-              </a:solidFill>
-              <a:effectLst>
-                <a:outerShdw blurRad="38100" dist="38100" dir="2700000" algn="tl">
-                  <a:srgbClr val="000000">
-                    <a:alpha val="43137"/>
-                  </a:srgbClr>
-                </a:outerShdw>
-              </a:effectLst>
-              <a:latin typeface="微軟正黑體" pitchFamily="34" charset="-120"/>
-              <a:ea typeface="微軟正黑體" pitchFamily="34" charset="-120"/>
-            </a:endParaRPr>
-          </a:p>
-          <a:p>
-            <a:pPr>
-              <a:defRPr/>
-            </a:pPr>
-            <a:r>
-              <a:rPr lang="en-US" altLang="zh-TW" sz="2400" b="1" dirty="0" smtClean="0">
-                <a:solidFill>
-                  <a:schemeClr val="bg1"/>
-                </a:solidFill>
-                <a:effectLst>
-                  <a:outerShdw blurRad="38100" dist="38100" dir="2700000" algn="tl">
-                    <a:srgbClr val="000000">
-                      <a:alpha val="43137"/>
-                    </a:srgbClr>
-                  </a:outerShdw>
-                </a:effectLst>
-                <a:latin typeface="微軟正黑體" pitchFamily="34" charset="-120"/>
-                <a:ea typeface="微軟正黑體" pitchFamily="34" charset="-120"/>
-              </a:rPr>
-              <a:t>Why ATSHA204A</a:t>
-            </a:r>
-          </a:p>
-          <a:p>
-            <a:pPr marL="342900" indent="-342900">
-              <a:buFont typeface="Arial" panose="020B0604020202020204" pitchFamily="34" charset="0"/>
-              <a:buChar char="•"/>
-              <a:defRPr/>
-            </a:pPr>
-            <a:r>
-              <a:rPr lang="en-US" altLang="zh-TW" sz="2400" b="1" dirty="0" smtClean="0">
-                <a:solidFill>
-                  <a:schemeClr val="bg1"/>
-                </a:solidFill>
-                <a:effectLst>
-                  <a:outerShdw blurRad="38100" dist="38100" dir="2700000" algn="tl">
-                    <a:srgbClr val="000000">
-                      <a:alpha val="43137"/>
-                    </a:srgbClr>
-                  </a:outerShdw>
-                </a:effectLst>
-                <a:latin typeface="微軟正黑體" pitchFamily="34" charset="-120"/>
-                <a:ea typeface="微軟正黑體" pitchFamily="34" charset="-120"/>
-              </a:rPr>
-              <a:t>The Unique SN is different with other FOBs</a:t>
-            </a:r>
-          </a:p>
-          <a:p>
-            <a:pPr marL="342900" indent="-342900">
-              <a:buFont typeface="Arial" panose="020B0604020202020204" pitchFamily="34" charset="0"/>
-              <a:buChar char="•"/>
-              <a:defRPr/>
-            </a:pPr>
-            <a:r>
-              <a:rPr lang="en-US" altLang="zh-TW" sz="2400" b="1" dirty="0" smtClean="0">
-                <a:solidFill>
-                  <a:schemeClr val="bg1"/>
-                </a:solidFill>
-                <a:effectLst>
-                  <a:outerShdw blurRad="38100" dist="38100" dir="2700000" algn="tl">
-                    <a:srgbClr val="000000">
-                      <a:alpha val="43137"/>
-                    </a:srgbClr>
-                  </a:outerShdw>
-                </a:effectLst>
-                <a:latin typeface="微軟正黑體" pitchFamily="34" charset="-120"/>
-                <a:ea typeface="微軟正黑體" pitchFamily="34" charset="-120"/>
-              </a:rPr>
-              <a:t>The secret Key in ATSHA204A can’t be copied</a:t>
-            </a:r>
-          </a:p>
-          <a:p>
-            <a:pPr marL="342900" indent="-342900">
-              <a:buFont typeface="Arial" panose="020B0604020202020204" pitchFamily="34" charset="0"/>
-              <a:buChar char="•"/>
-              <a:defRPr/>
-            </a:pPr>
-            <a:r>
-              <a:rPr lang="en-US" altLang="zh-TW" sz="2400" b="1" dirty="0" smtClean="0">
-                <a:solidFill>
-                  <a:schemeClr val="bg1"/>
-                </a:solidFill>
-                <a:effectLst>
-                  <a:outerShdw blurRad="38100" dist="38100" dir="2700000" algn="tl">
-                    <a:srgbClr val="000000">
-                      <a:alpha val="43137"/>
-                    </a:srgbClr>
-                  </a:outerShdw>
-                </a:effectLst>
-                <a:latin typeface="微軟正黑體" pitchFamily="34" charset="-120"/>
-                <a:ea typeface="微軟正黑體" pitchFamily="34" charset="-120"/>
-              </a:rPr>
-              <a:t>The ATSHA204A can </a:t>
-            </a:r>
-            <a:r>
-              <a:rPr lang="en-US" altLang="zh-TW" sz="2400" b="1" dirty="0">
-                <a:solidFill>
-                  <a:schemeClr val="bg1"/>
-                </a:solidFill>
-                <a:effectLst>
-                  <a:outerShdw blurRad="38100" dist="38100" dir="2700000" algn="tl">
-                    <a:srgbClr val="000000">
-                      <a:alpha val="43137"/>
-                    </a:srgbClr>
-                  </a:outerShdw>
-                </a:effectLst>
-                <a:latin typeface="微軟正黑體" pitchFamily="34" charset="-120"/>
-                <a:ea typeface="微軟正黑體" pitchFamily="34" charset="-120"/>
-              </a:rPr>
-              <a:t>avoid reverse </a:t>
-            </a:r>
-            <a:r>
-              <a:rPr lang="en-US" altLang="zh-TW" sz="2400" b="1" dirty="0" smtClean="0">
-                <a:solidFill>
-                  <a:schemeClr val="bg1"/>
-                </a:solidFill>
-                <a:effectLst>
-                  <a:outerShdw blurRad="38100" dist="38100" dir="2700000" algn="tl">
-                    <a:srgbClr val="000000">
-                      <a:alpha val="43137"/>
-                    </a:srgbClr>
-                  </a:outerShdw>
-                </a:effectLst>
-                <a:latin typeface="微軟正黑體" pitchFamily="34" charset="-120"/>
-                <a:ea typeface="微軟正黑體" pitchFamily="34" charset="-120"/>
-              </a:rPr>
-              <a:t>engineering</a:t>
-            </a:r>
-          </a:p>
-          <a:p>
-            <a:pPr marL="342900" indent="-342900">
-              <a:buFont typeface="Arial" panose="020B0604020202020204" pitchFamily="34" charset="0"/>
-              <a:buChar char="•"/>
-              <a:defRPr/>
-            </a:pPr>
-            <a:r>
-              <a:rPr lang="en-US" altLang="zh-TW" sz="2400" b="1" dirty="0" smtClean="0">
-                <a:solidFill>
-                  <a:schemeClr val="bg1"/>
-                </a:solidFill>
-                <a:effectLst>
-                  <a:outerShdw blurRad="38100" dist="38100" dir="2700000" algn="tl">
-                    <a:srgbClr val="000000">
-                      <a:alpha val="43137"/>
-                    </a:srgbClr>
-                  </a:outerShdw>
-                </a:effectLst>
-                <a:latin typeface="微軟正黑體" pitchFamily="34" charset="-120"/>
-                <a:ea typeface="微軟正黑體" pitchFamily="34" charset="-120"/>
-              </a:rPr>
-              <a:t>High-quality Random Number Generator </a:t>
-            </a:r>
-          </a:p>
-        </p:txBody>
-      </p:sp>
-    </p:spTree>
-    <p:extLst>
-      <p:ext uri="{BB962C8B-B14F-4D97-AF65-F5344CB8AC3E}">
-        <p14:creationId xmlns:p14="http://schemas.microsoft.com/office/powerpoint/2010/main" val="3299881384"/>
-      </p:ext>
-    </p:extLst>
-  </p:cSld>
-  <p:clrMapOvr>
-    <a:masterClrMapping/>
-  </p:clrMapOvr>
-  <p:transition>
-    <p:fade thruBlk="1"/>
-  </p:transition>
-  <p:timing>
-    <p:tnLst>
-      <p:par>
-        <p:cTn id="1" dur="indefinite" restart="never" nodeType="tmRoot"/>
-      </p:par>
-    </p:tnLst>
-  </p:timing>
-</p:sld>
-</file>
-
-<file path=ppt/slides/slide8.xml><?xml version="1.0" encoding="utf-8"?>
-<p:sld xmlns:a="http://schemas.openxmlformats.org/drawingml/2006/main" xmlns:r="http://schemas.openxmlformats.org/officeDocument/2006/relationships" xmlns:p="http://schemas.openxmlformats.org/presentationml/2006/main">
-  <p:cSld>
-    <p:spTree>
-      <p:nvGrpSpPr>
-        <p:cNvPr id="1" name=""/>
-        <p:cNvGrpSpPr/>
-        <p:nvPr/>
-      </p:nvGrpSpPr>
-      <p:grpSpPr>
-        <a:xfrm>
-          <a:off x="0" y="0"/>
-          <a:ext cx="0" cy="0"/>
-          <a:chOff x="0" y="0"/>
-          <a:chExt cx="0" cy="0"/>
-        </a:xfrm>
-      </p:grpSpPr>
-      <p:sp>
-        <p:nvSpPr>
-          <p:cNvPr id="2" name="標題 1"/>
-          <p:cNvSpPr>
-            <a:spLocks noGrp="1"/>
-          </p:cNvSpPr>
-          <p:nvPr>
-            <p:ph type="title"/>
-          </p:nvPr>
-        </p:nvSpPr>
-        <p:spPr/>
-        <p:txBody>
-          <a:bodyPr/>
-          <a:lstStyle/>
-          <a:p>
-            <a:r>
-              <a:rPr lang="en-US" altLang="zh-TW" dirty="0" smtClean="0"/>
-              <a:t>Handshaking</a:t>
-            </a:r>
-            <a:endParaRPr lang="zh-TW" altLang="en-US" dirty="0"/>
-          </a:p>
-        </p:txBody>
-      </p:sp>
-      <p:sp>
-        <p:nvSpPr>
-          <p:cNvPr id="33" name="投影片編號版面配置區 32"/>
-          <p:cNvSpPr>
-            <a:spLocks noGrp="1"/>
-          </p:cNvSpPr>
-          <p:nvPr>
-            <p:ph type="sldNum" sz="quarter" idx="12"/>
-          </p:nvPr>
-        </p:nvSpPr>
-        <p:spPr/>
-        <p:txBody>
-          <a:bodyPr/>
-          <a:lstStyle/>
-          <a:p>
-            <a:fld id="{D344349B-DB66-4120-941E-C93148E8AB74}" type="slidenum">
-              <a:rPr lang="zh-TW" altLang="en-US" smtClean="0"/>
-              <a:pPr/>
-              <a:t>8</a:t>
             </a:fld>
             <a:endParaRPr lang="zh-TW" altLang="en-US" dirty="0"/>
           </a:p>
@@ -8646,7 +8156,7 @@
 </p:sld>
 </file>
 
-<file path=ppt/slides/slide9.xml><?xml version="1.0" encoding="utf-8"?>
+<file path=ppt/slides/slide7.xml><?xml version="1.0" encoding="utf-8"?>
 <p:sld xmlns:a="http://schemas.openxmlformats.org/drawingml/2006/main" xmlns:r="http://schemas.openxmlformats.org/officeDocument/2006/relationships" xmlns:p="http://schemas.openxmlformats.org/presentationml/2006/main">
   <p:cSld>
     <p:spTree>
@@ -8704,7 +8214,7 @@
             <a:fld id="{D344349B-DB66-4120-941E-C93148E8AB74}" type="slidenum">
               <a:rPr lang="zh-TW" altLang="en-US" smtClean="0"/>
               <a:pPr/>
-              <a:t>9</a:t>
+              <a:t>7</a:t>
             </a:fld>
             <a:endParaRPr lang="zh-TW" altLang="en-US" dirty="0"/>
           </a:p>
@@ -9195,6 +8705,468 @@
     <p:extLst>
       <p:ext uri="{BB962C8B-B14F-4D97-AF65-F5344CB8AC3E}">
         <p14:creationId xmlns:p14="http://schemas.microsoft.com/office/powerpoint/2010/main" val="3548287471"/>
+      </p:ext>
+    </p:extLst>
+  </p:cSld>
+  <p:clrMapOvr>
+    <a:masterClrMapping/>
+  </p:clrMapOvr>
+  <p:transition>
+    <p:fade thruBlk="1"/>
+  </p:transition>
+  <p:timing>
+    <p:tnLst>
+      <p:par>
+        <p:cTn id="1" dur="indefinite" restart="never" nodeType="tmRoot"/>
+      </p:par>
+    </p:tnLst>
+  </p:timing>
+</p:sld>
+</file>
+
+<file path=ppt/slides/slide8.xml><?xml version="1.0" encoding="utf-8"?>
+<p:sld xmlns:a="http://schemas.openxmlformats.org/drawingml/2006/main" xmlns:r="http://schemas.openxmlformats.org/officeDocument/2006/relationships" xmlns:p="http://schemas.openxmlformats.org/presentationml/2006/main">
+  <p:cSld>
+    <p:spTree>
+      <p:nvGrpSpPr>
+        <p:cNvPr id="1" name=""/>
+        <p:cNvGrpSpPr/>
+        <p:nvPr/>
+      </p:nvGrpSpPr>
+      <p:grpSpPr>
+        <a:xfrm>
+          <a:off x="0" y="0"/>
+          <a:ext cx="0" cy="0"/>
+          <a:chOff x="0" y="0"/>
+          <a:chExt cx="0" cy="0"/>
+        </a:xfrm>
+      </p:grpSpPr>
+      <p:sp>
+        <p:nvSpPr>
+          <p:cNvPr id="5" name="橢圓 4"/>
+          <p:cNvSpPr/>
+          <p:nvPr/>
+        </p:nvSpPr>
+        <p:spPr>
+          <a:xfrm rot="20830409">
+            <a:off x="669811" y="1254110"/>
+            <a:ext cx="7920880" cy="4010000"/>
+          </a:xfrm>
+          <a:prstGeom prst="ellipse">
+            <a:avLst/>
+          </a:prstGeom>
+        </p:spPr>
+        <p:style>
+          <a:lnRef idx="1">
+            <a:schemeClr val="accent3"/>
+          </a:lnRef>
+          <a:fillRef idx="2">
+            <a:schemeClr val="accent3"/>
+          </a:fillRef>
+          <a:effectRef idx="1">
+            <a:schemeClr val="accent3"/>
+          </a:effectRef>
+          <a:fontRef idx="minor">
+            <a:schemeClr val="dk1"/>
+          </a:fontRef>
+        </p:style>
+        <p:txBody>
+          <a:bodyPr rtlCol="0" anchor="ctr"/>
+          <a:lstStyle/>
+          <a:p>
+            <a:pPr algn="ctr"/>
+            <a:endParaRPr lang="zh-TW" altLang="en-US"/>
+          </a:p>
+        </p:txBody>
+      </p:sp>
+      <p:sp>
+        <p:nvSpPr>
+          <p:cNvPr id="4" name="副標題 3"/>
+          <p:cNvSpPr>
+            <a:spLocks noGrp="1"/>
+          </p:cNvSpPr>
+          <p:nvPr>
+            <p:ph type="subTitle" idx="1"/>
+          </p:nvPr>
+        </p:nvSpPr>
+        <p:spPr>
+          <a:xfrm>
+            <a:off x="1371600" y="4196680"/>
+            <a:ext cx="6400800" cy="1752600"/>
+          </a:xfrm>
+        </p:spPr>
+        <p:txBody>
+          <a:bodyPr/>
+          <a:lstStyle/>
+          <a:p>
+            <a:endParaRPr lang="zh-TW" altLang="en-US" dirty="0"/>
+          </a:p>
+        </p:txBody>
+      </p:sp>
+      <p:sp>
+        <p:nvSpPr>
+          <p:cNvPr id="6" name="標題 1"/>
+          <p:cNvSpPr txBox="1">
+            <a:spLocks/>
+          </p:cNvSpPr>
+          <p:nvPr/>
+        </p:nvSpPr>
+        <p:spPr>
+          <a:xfrm>
+            <a:off x="2411760" y="2924944"/>
+            <a:ext cx="4347120" cy="1143000"/>
+          </a:xfrm>
+          <a:prstGeom prst="rect">
+            <a:avLst/>
+          </a:prstGeom>
+        </p:spPr>
+        <p:txBody>
+          <a:bodyPr vert="horz" lIns="91440" tIns="45720" rIns="91440" bIns="45720" rtlCol="0" anchor="ctr">
+            <a:normAutofit/>
+          </a:bodyPr>
+          <a:lstStyle>
+            <a:lvl1pPr algn="ctr" defTabSz="914400" rtl="0" eaLnBrk="1" latinLnBrk="0" hangingPunct="1">
+              <a:spcBef>
+                <a:spcPct val="0"/>
+              </a:spcBef>
+              <a:buNone/>
+              <a:defRPr sz="4400" kern="1200">
+                <a:solidFill>
+                  <a:schemeClr val="tx1"/>
+                </a:solidFill>
+                <a:latin typeface="微軟正黑體" pitchFamily="34" charset="-120"/>
+                <a:ea typeface="微軟正黑體" pitchFamily="34" charset="-120"/>
+                <a:cs typeface="+mj-cs"/>
+              </a:defRPr>
+            </a:lvl1pPr>
+          </a:lstStyle>
+          <a:p>
+            <a:r>
+              <a:rPr lang="en-US" altLang="zh-TW" b="1" dirty="0" smtClean="0"/>
+              <a:t>Resources</a:t>
+            </a:r>
+          </a:p>
+        </p:txBody>
+      </p:sp>
+    </p:spTree>
+    <p:extLst>
+      <p:ext uri="{BB962C8B-B14F-4D97-AF65-F5344CB8AC3E}">
+        <p14:creationId xmlns:p14="http://schemas.microsoft.com/office/powerpoint/2010/main" val="4260622918"/>
+      </p:ext>
+    </p:extLst>
+  </p:cSld>
+  <p:clrMapOvr>
+    <a:masterClrMapping/>
+  </p:clrMapOvr>
+  <p:transition>
+    <p:fade thruBlk="1"/>
+  </p:transition>
+  <p:timing>
+    <p:tnLst>
+      <p:par>
+        <p:cTn id="1" dur="indefinite" restart="never" nodeType="tmRoot"/>
+      </p:par>
+    </p:tnLst>
+  </p:timing>
+</p:sld>
+</file>
+
+<file path=ppt/slides/slide9.xml><?xml version="1.0" encoding="utf-8"?>
+<p:sld xmlns:a="http://schemas.openxmlformats.org/drawingml/2006/main" xmlns:r="http://schemas.openxmlformats.org/officeDocument/2006/relationships" xmlns:p="http://schemas.openxmlformats.org/presentationml/2006/main">
+  <p:cSld>
+    <p:spTree>
+      <p:nvGrpSpPr>
+        <p:cNvPr id="1" name=""/>
+        <p:cNvGrpSpPr/>
+        <p:nvPr/>
+      </p:nvGrpSpPr>
+      <p:grpSpPr>
+        <a:xfrm>
+          <a:off x="0" y="0"/>
+          <a:ext cx="0" cy="0"/>
+          <a:chOff x="0" y="0"/>
+          <a:chExt cx="0" cy="0"/>
+        </a:xfrm>
+      </p:grpSpPr>
+      <p:sp>
+        <p:nvSpPr>
+          <p:cNvPr id="2" name="標題 1"/>
+          <p:cNvSpPr>
+            <a:spLocks noGrp="1"/>
+          </p:cNvSpPr>
+          <p:nvPr>
+            <p:ph type="title"/>
+          </p:nvPr>
+        </p:nvSpPr>
+        <p:spPr/>
+        <p:txBody>
+          <a:bodyPr/>
+          <a:lstStyle/>
+          <a:p>
+            <a:pPr lvl="0" eaLnBrk="0" hangingPunct="0">
+              <a:spcBef>
+                <a:spcPct val="20000"/>
+              </a:spcBef>
+              <a:defRPr/>
+            </a:pPr>
+            <a:r>
+              <a:rPr lang="en-US" altLang="zh-TW" dirty="0" smtClean="0"/>
+              <a:t>Project Resources</a:t>
+            </a:r>
+            <a:endParaRPr lang="en-US" altLang="zh-TW" b="0" dirty="0"/>
+          </a:p>
+        </p:txBody>
+      </p:sp>
+      <p:sp>
+        <p:nvSpPr>
+          <p:cNvPr id="33" name="投影片編號版面配置區 32"/>
+          <p:cNvSpPr>
+            <a:spLocks noGrp="1"/>
+          </p:cNvSpPr>
+          <p:nvPr>
+            <p:ph type="sldNum" sz="quarter" idx="12"/>
+          </p:nvPr>
+        </p:nvSpPr>
+        <p:spPr/>
+        <p:txBody>
+          <a:bodyPr/>
+          <a:lstStyle/>
+          <a:p>
+            <a:fld id="{D344349B-DB66-4120-941E-C93148E8AB74}" type="slidenum">
+              <a:rPr lang="zh-TW" altLang="en-US" smtClean="0"/>
+              <a:pPr/>
+              <a:t>9</a:t>
+            </a:fld>
+            <a:endParaRPr lang="zh-TW" altLang="en-US" dirty="0"/>
+          </a:p>
+        </p:txBody>
+      </p:sp>
+      <p:sp>
+        <p:nvSpPr>
+          <p:cNvPr id="5" name="矩形 4"/>
+          <p:cNvSpPr/>
+          <p:nvPr/>
+        </p:nvSpPr>
+        <p:spPr>
+          <a:xfrm>
+            <a:off x="457200" y="1550785"/>
+            <a:ext cx="8229600" cy="5016758"/>
+          </a:xfrm>
+          <a:prstGeom prst="rect">
+            <a:avLst/>
+          </a:prstGeom>
+        </p:spPr>
+        <p:txBody>
+          <a:bodyPr wrap="square">
+            <a:spAutoFit/>
+          </a:bodyPr>
+          <a:lstStyle/>
+          <a:p>
+            <a:r>
+              <a:rPr lang="en-US" altLang="zh-TW" sz="3200" dirty="0" smtClean="0"/>
+              <a:t>HW Design Files</a:t>
+            </a:r>
+          </a:p>
+          <a:p>
+            <a:pPr marL="800100" lvl="1" indent="-342900">
+              <a:buFont typeface="Arial" panose="020B0604020202020204" pitchFamily="34" charset="0"/>
+              <a:buChar char="•"/>
+            </a:pPr>
+            <a:r>
+              <a:rPr lang="en-US" altLang="zh-TW" sz="3200" dirty="0" smtClean="0"/>
+              <a:t>SCH, PCB, BOM, Datasheet </a:t>
+            </a:r>
+          </a:p>
+          <a:p>
+            <a:pPr marL="800100" lvl="1" indent="-342900">
+              <a:buFont typeface="Arial" panose="020B0604020202020204" pitchFamily="34" charset="0"/>
+              <a:buChar char="•"/>
+            </a:pPr>
+            <a:r>
+              <a:rPr lang="en-US" altLang="zh-TW" sz="3200" dirty="0"/>
+              <a:t>A9112 US$0.7 + ATASHA204A US$0.3</a:t>
+            </a:r>
+          </a:p>
+          <a:p>
+            <a:endParaRPr lang="en-US" altLang="zh-TW" sz="3200" dirty="0" smtClean="0"/>
+          </a:p>
+          <a:p>
+            <a:r>
+              <a:rPr lang="en-US" altLang="zh-TW" sz="3200" dirty="0" err="1" smtClean="0"/>
+              <a:t>Github</a:t>
+            </a:r>
+            <a:endParaRPr lang="en-US" altLang="zh-TW" sz="3200" dirty="0"/>
+          </a:p>
+          <a:p>
+            <a:pPr marL="800100" lvl="1" indent="-342900">
+              <a:buFont typeface="Arial" panose="020B0604020202020204" pitchFamily="34" charset="0"/>
+              <a:buChar char="•"/>
+            </a:pPr>
+            <a:r>
+              <a:rPr lang="en-US" altLang="zh-TW" sz="3200" dirty="0"/>
+              <a:t>A9112 MCU reference code (Host &amp; FOB)</a:t>
+            </a:r>
+          </a:p>
+          <a:p>
+            <a:pPr marL="800100" lvl="1" indent="-342900">
+              <a:buFont typeface="Arial" panose="020B0604020202020204" pitchFamily="34" charset="0"/>
+              <a:buChar char="•"/>
+            </a:pPr>
+            <a:endParaRPr lang="en-US" altLang="zh-TW" sz="3200" dirty="0" smtClean="0"/>
+          </a:p>
+          <a:p>
+            <a:r>
+              <a:rPr lang="en-US" altLang="zh-TW" sz="3200" dirty="0" smtClean="0"/>
+              <a:t>YouTube</a:t>
+            </a:r>
+            <a:endParaRPr lang="en-US" altLang="zh-TW" sz="3200" dirty="0"/>
+          </a:p>
+          <a:p>
+            <a:pPr marL="800100" lvl="1" indent="-342900">
+              <a:buFont typeface="Arial" panose="020B0604020202020204" pitchFamily="34" charset="0"/>
+              <a:buChar char="•"/>
+            </a:pPr>
+            <a:r>
+              <a:rPr lang="en-US" altLang="zh-TW" sz="3200" dirty="0" smtClean="0"/>
+              <a:t>Introduce video (But in Chinese)</a:t>
+            </a:r>
+          </a:p>
+          <a:p>
+            <a:pPr marL="800100" lvl="1" indent="-342900">
+              <a:buFont typeface="Arial" panose="020B0604020202020204" pitchFamily="34" charset="0"/>
+              <a:buChar char="•"/>
+            </a:pPr>
+            <a:endParaRPr lang="en-US" altLang="zh-TW" sz="3200" dirty="0"/>
+          </a:p>
+        </p:txBody>
+      </p:sp>
+      <p:pic>
+        <p:nvPicPr>
+          <p:cNvPr id="1026" name="Picture 2" descr="「checkbox」的圖片搜尋結果"/>
+          <p:cNvPicPr>
+            <a:picLocks noChangeAspect="1" noChangeArrowheads="1"/>
+          </p:cNvPicPr>
+          <p:nvPr/>
+        </p:nvPicPr>
+        <p:blipFill>
+          <a:blip r:embed="rId3" cstate="print">
+            <a:extLst>
+              <a:ext uri="{28A0092B-C50C-407E-A947-70E740481C1C}">
+                <a14:useLocalDpi xmlns:a14="http://schemas.microsoft.com/office/drawing/2010/main" val="0"/>
+              </a:ext>
+            </a:extLst>
+          </a:blip>
+          <a:srcRect/>
+          <a:stretch>
+            <a:fillRect/>
+          </a:stretch>
+        </p:blipFill>
+        <p:spPr bwMode="auto">
+          <a:xfrm>
+            <a:off x="8326758" y="1768690"/>
+            <a:ext cx="720079" cy="720079"/>
+          </a:xfrm>
+          <a:prstGeom prst="rect">
+            <a:avLst/>
+          </a:prstGeom>
+          <a:noFill/>
+          <a:extLst>
+            <a:ext uri="{909E8E84-426E-40DD-AFC4-6F175D3DCCD1}">
+              <a14:hiddenFill xmlns:a14="http://schemas.microsoft.com/office/drawing/2010/main">
+                <a:solidFill>
+                  <a:srgbClr val="FFFFFF"/>
+                </a:solidFill>
+              </a14:hiddenFill>
+            </a:ext>
+          </a:extLst>
+        </p:spPr>
+      </p:pic>
+      <p:pic>
+        <p:nvPicPr>
+          <p:cNvPr id="7" name="Picture 2" descr="「checkbox」的圖片搜尋結果"/>
+          <p:cNvPicPr>
+            <a:picLocks noChangeAspect="1" noChangeArrowheads="1"/>
+          </p:cNvPicPr>
+          <p:nvPr/>
+        </p:nvPicPr>
+        <p:blipFill>
+          <a:blip r:embed="rId3" cstate="print">
+            <a:extLst>
+              <a:ext uri="{28A0092B-C50C-407E-A947-70E740481C1C}">
+                <a14:useLocalDpi xmlns:a14="http://schemas.microsoft.com/office/drawing/2010/main" val="0"/>
+              </a:ext>
+            </a:extLst>
+          </a:blip>
+          <a:srcRect/>
+          <a:stretch>
+            <a:fillRect/>
+          </a:stretch>
+        </p:blipFill>
+        <p:spPr bwMode="auto">
+          <a:xfrm>
+            <a:off x="8326759" y="3762547"/>
+            <a:ext cx="720079" cy="720079"/>
+          </a:xfrm>
+          <a:prstGeom prst="rect">
+            <a:avLst/>
+          </a:prstGeom>
+          <a:noFill/>
+          <a:extLst>
+            <a:ext uri="{909E8E84-426E-40DD-AFC4-6F175D3DCCD1}">
+              <a14:hiddenFill xmlns:a14="http://schemas.microsoft.com/office/drawing/2010/main">
+                <a:solidFill>
+                  <a:srgbClr val="FFFFFF"/>
+                </a:solidFill>
+              </a14:hiddenFill>
+            </a:ext>
+          </a:extLst>
+        </p:spPr>
+      </p:pic>
+      <p:pic>
+        <p:nvPicPr>
+          <p:cNvPr id="8" name="Picture 2" descr="「checkbox」的圖片搜尋結果"/>
+          <p:cNvPicPr>
+            <a:picLocks noChangeAspect="1" noChangeArrowheads="1"/>
+          </p:cNvPicPr>
+          <p:nvPr/>
+        </p:nvPicPr>
+        <p:blipFill>
+          <a:blip r:embed="rId3" cstate="print">
+            <a:extLst>
+              <a:ext uri="{28A0092B-C50C-407E-A947-70E740481C1C}">
+                <a14:useLocalDpi xmlns:a14="http://schemas.microsoft.com/office/drawing/2010/main" val="0"/>
+              </a:ext>
+            </a:extLst>
+          </a:blip>
+          <a:srcRect/>
+          <a:stretch>
+            <a:fillRect/>
+          </a:stretch>
+        </p:blipFill>
+        <p:spPr bwMode="auto">
+          <a:xfrm>
+            <a:off x="8326760" y="5301208"/>
+            <a:ext cx="720079" cy="720079"/>
+          </a:xfrm>
+          <a:prstGeom prst="rect">
+            <a:avLst/>
+          </a:prstGeom>
+          <a:noFill/>
+          <a:extLst>
+            <a:ext uri="{909E8E84-426E-40DD-AFC4-6F175D3DCCD1}">
+              <a14:hiddenFill xmlns:a14="http://schemas.microsoft.com/office/drawing/2010/main">
+                <a:solidFill>
+                  <a:srgbClr val="FFFFFF"/>
+                </a:solidFill>
+              </a14:hiddenFill>
+            </a:ext>
+          </a:extLst>
+        </p:spPr>
+      </p:pic>
+    </p:spTree>
+    <p:extLst>
+      <p:ext uri="{BB962C8B-B14F-4D97-AF65-F5344CB8AC3E}">
+        <p14:creationId xmlns:p14="http://schemas.microsoft.com/office/powerpoint/2010/main" val="2593413975"/>
       </p:ext>
     </p:extLst>
   </p:cSld>
